--- a/Couchbase Metrics.pptx
+++ b/Couchbase Metrics.pptx
@@ -20,16 +20,21 @@
     <p:sldId id="265" r:id="rId15"/>
     <p:sldId id="266" r:id="rId16"/>
     <p:sldId id="267" r:id="rId17"/>
+    <p:sldId id="268" r:id="rId18"/>
+    <p:sldId id="269" r:id="rId19"/>
+    <p:sldId id="270" r:id="rId20"/>
+    <p:sldId id="271" r:id="rId21"/>
+    <p:sldId id="272" r:id="rId22"/>
   </p:sldIdLst>
   <p:sldSz cy="5143500" cx="9144000"/>
   <p:notesSz cx="6858000" cy="9144000"/>
   <p:embeddedFontLst>
     <p:embeddedFont>
       <p:font typeface="Roboto"/>
-      <p:regular r:id="rId18"/>
-      <p:bold r:id="rId19"/>
-      <p:italic r:id="rId20"/>
-      <p:boldItalic r:id="rId21"/>
+      <p:regular r:id="rId23"/>
+      <p:bold r:id="rId24"/>
+      <p:italic r:id="rId25"/>
+      <p:boldItalic r:id="rId26"/>
     </p:embeddedFont>
   </p:embeddedFontLst>
   <p:defaultTextStyle>
@@ -810,7 +815,7 @@
   <p:cSld>
     <p:spTree>
       <p:nvGrpSpPr>
-        <p:cNvPr id="131" name="Shape 131"/>
+        <p:cNvPr id="129" name="Shape 129"/>
         <p:cNvGrpSpPr/>
         <p:nvPr/>
       </p:nvGrpSpPr>
@@ -824,7 +829,7 @@
       </p:grpSpPr>
       <p:sp>
         <p:nvSpPr>
-          <p:cNvPr id="132" name="Google Shape;132;g30b1351023c_0_13:notes"/>
+          <p:cNvPr id="130" name="Google Shape;130;g30b1351023c_0_241:notes"/>
           <p:cNvSpPr/>
           <p:nvPr>
             <p:ph idx="2" type="sldImg"/>
@@ -859,7 +864,7 @@
       </p:sp>
       <p:sp>
         <p:nvSpPr>
-          <p:cNvPr id="133" name="Google Shape;133;g30b1351023c_0_13:notes"/>
+          <p:cNvPr id="131" name="Google Shape;131;g30b1351023c_0_241:notes"/>
           <p:cNvSpPr txBox="1"/>
           <p:nvPr>
             <p:ph idx="1" type="body"/>
@@ -909,7 +914,7 @@
   <p:cSld>
     <p:spTree>
       <p:nvGrpSpPr>
-        <p:cNvPr id="136" name="Shape 136"/>
+        <p:cNvPr id="135" name="Shape 135"/>
         <p:cNvGrpSpPr/>
         <p:nvPr/>
       </p:nvGrpSpPr>
@@ -923,7 +928,7 @@
       </p:grpSpPr>
       <p:sp>
         <p:nvSpPr>
-          <p:cNvPr id="137" name="Google Shape;137;g30b1351023c_0_288:notes"/>
+          <p:cNvPr id="136" name="Google Shape;136;g30b1351023c_0_6:notes"/>
           <p:cNvSpPr/>
           <p:nvPr>
             <p:ph idx="2" type="sldImg"/>
@@ -958,7 +963,7 @@
       </p:sp>
       <p:sp>
         <p:nvSpPr>
-          <p:cNvPr id="138" name="Google Shape;138;g30b1351023c_0_288:notes"/>
+          <p:cNvPr id="137" name="Google Shape;137;g30b1351023c_0_6:notes"/>
           <p:cNvSpPr txBox="1"/>
           <p:nvPr>
             <p:ph idx="1" type="body"/>
@@ -1008,7 +1013,7 @@
   <p:cSld>
     <p:spTree>
       <p:nvGrpSpPr>
-        <p:cNvPr id="142" name="Shape 142"/>
+        <p:cNvPr id="140" name="Shape 140"/>
         <p:cNvGrpSpPr/>
         <p:nvPr/>
       </p:nvGrpSpPr>
@@ -1022,7 +1027,7 @@
       </p:grpSpPr>
       <p:sp>
         <p:nvSpPr>
-          <p:cNvPr id="143" name="Google Shape;143;g30b1351023c_0_299:notes"/>
+          <p:cNvPr id="141" name="Google Shape;141;g30b6712621c_0_12:notes"/>
           <p:cNvSpPr/>
           <p:nvPr>
             <p:ph idx="2" type="sldImg"/>
@@ -1057,7 +1062,502 @@
       </p:sp>
       <p:sp>
         <p:nvSpPr>
-          <p:cNvPr id="144" name="Google Shape;144;g30b1351023c_0_299:notes"/>
+          <p:cNvPr id="142" name="Google Shape;142;g30b6712621c_0_12:notes"/>
+          <p:cNvSpPr txBox="1"/>
+          <p:nvPr>
+            <p:ph idx="1" type="body"/>
+          </p:nvPr>
+        </p:nvSpPr>
+        <p:spPr>
+          <a:xfrm>
+            <a:off x="685800" y="4343400"/>
+            <a:ext cx="5486400" cy="4114800"/>
+          </a:xfrm>
+          <a:prstGeom prst="rect">
+            <a:avLst/>
+          </a:prstGeom>
+        </p:spPr>
+        <p:txBody>
+          <a:bodyPr anchorCtr="0" anchor="t" bIns="91425" lIns="91425" spcFirstLastPara="1" rIns="91425" wrap="square" tIns="91425">
+            <a:noAutofit/>
+          </a:bodyPr>
+          <a:lstStyle/>
+          <a:p>
+            <a:pPr indent="0" lvl="0" marL="0" rtl="0" algn="l">
+              <a:spcBef>
+                <a:spcPts val="0"/>
+              </a:spcBef>
+              <a:spcAft>
+                <a:spcPts val="0"/>
+              </a:spcAft>
+              <a:buNone/>
+            </a:pPr>
+            <a:r>
+              <a:t/>
+            </a:r>
+            <a:endParaRPr/>
+          </a:p>
+        </p:txBody>
+      </p:sp>
+    </p:spTree>
+  </p:cSld>
+  <p:clrMapOvr>
+    <a:masterClrMapping/>
+  </p:clrMapOvr>
+</p:notes>
+</file>
+
+<file path=ppt/notesSlides/notesSlide13.xml><?xml version="1.0" encoding="utf-8"?>
+<p:notes xmlns:a="http://schemas.openxmlformats.org/drawingml/2006/main" xmlns:r="http://schemas.openxmlformats.org/officeDocument/2006/relationships" xmlns:mc="http://schemas.openxmlformats.org/markup-compatibility/2006" xmlns:mv="urn:schemas-microsoft-com:mac:vml" xmlns:p="http://schemas.openxmlformats.org/presentationml/2006/main" xmlns:c="http://schemas.openxmlformats.org/drawingml/2006/chart" xmlns:dgm="http://schemas.openxmlformats.org/drawingml/2006/diagram" xmlns:o="urn:schemas-microsoft-com:office:office" xmlns:v="urn:schemas-microsoft-com:vml" xmlns:pvml="urn:schemas-microsoft-com:office:powerpoint" xmlns:com="http://schemas.openxmlformats.org/drawingml/2006/compatibility" xmlns:p14="http://schemas.microsoft.com/office/powerpoint/2010/main" xmlns:p15="http://schemas.microsoft.com/office/powerpoint/2012/main" xmlns:ahyp="http://schemas.microsoft.com/office/drawing/2018/hyperlinkcolor" showMasterPhAnim="0" showMasterSp="0">
+  <p:cSld>
+    <p:spTree>
+      <p:nvGrpSpPr>
+        <p:cNvPr id="145" name="Shape 145"/>
+        <p:cNvGrpSpPr/>
+        <p:nvPr/>
+      </p:nvGrpSpPr>
+      <p:grpSpPr>
+        <a:xfrm>
+          <a:off x="0" y="0"/>
+          <a:ext cx="0" cy="0"/>
+          <a:chOff x="0" y="0"/>
+          <a:chExt cx="0" cy="0"/>
+        </a:xfrm>
+      </p:grpSpPr>
+      <p:sp>
+        <p:nvSpPr>
+          <p:cNvPr id="146" name="Google Shape;146;g30b1351023c_0_249:notes"/>
+          <p:cNvSpPr/>
+          <p:nvPr>
+            <p:ph idx="2" type="sldImg"/>
+          </p:nvPr>
+        </p:nvSpPr>
+        <p:spPr>
+          <a:xfrm>
+            <a:off x="381300" y="685800"/>
+            <a:ext cx="6096000" cy="3429000"/>
+          </a:xfrm>
+          <a:custGeom>
+            <a:rect b="b" l="l" r="r" t="t"/>
+            <a:pathLst>
+              <a:path extrusionOk="0" h="120000" w="120000">
+                <a:moveTo>
+                  <a:pt x="0" y="0"/>
+                </a:moveTo>
+                <a:lnTo>
+                  <a:pt x="120000" y="0"/>
+                </a:lnTo>
+                <a:lnTo>
+                  <a:pt x="120000" y="120000"/>
+                </a:lnTo>
+                <a:lnTo>
+                  <a:pt x="0" y="120000"/>
+                </a:lnTo>
+                <a:close/>
+              </a:path>
+            </a:pathLst>
+          </a:custGeom>
+        </p:spPr>
+      </p:sp>
+      <p:sp>
+        <p:nvSpPr>
+          <p:cNvPr id="147" name="Google Shape;147;g30b1351023c_0_249:notes"/>
+          <p:cNvSpPr txBox="1"/>
+          <p:nvPr>
+            <p:ph idx="1" type="body"/>
+          </p:nvPr>
+        </p:nvSpPr>
+        <p:spPr>
+          <a:xfrm>
+            <a:off x="685800" y="4343400"/>
+            <a:ext cx="5486400" cy="4114800"/>
+          </a:xfrm>
+          <a:prstGeom prst="rect">
+            <a:avLst/>
+          </a:prstGeom>
+        </p:spPr>
+        <p:txBody>
+          <a:bodyPr anchorCtr="0" anchor="t" bIns="91425" lIns="91425" spcFirstLastPara="1" rIns="91425" wrap="square" tIns="91425">
+            <a:noAutofit/>
+          </a:bodyPr>
+          <a:lstStyle/>
+          <a:p>
+            <a:pPr indent="0" lvl="0" marL="0" rtl="0" algn="l">
+              <a:spcBef>
+                <a:spcPts val="0"/>
+              </a:spcBef>
+              <a:spcAft>
+                <a:spcPts val="0"/>
+              </a:spcAft>
+              <a:buNone/>
+            </a:pPr>
+            <a:r>
+              <a:t/>
+            </a:r>
+            <a:endParaRPr/>
+          </a:p>
+        </p:txBody>
+      </p:sp>
+    </p:spTree>
+  </p:cSld>
+  <p:clrMapOvr>
+    <a:masterClrMapping/>
+  </p:clrMapOvr>
+</p:notes>
+</file>
+
+<file path=ppt/notesSlides/notesSlide14.xml><?xml version="1.0" encoding="utf-8"?>
+<p:notes xmlns:a="http://schemas.openxmlformats.org/drawingml/2006/main" xmlns:r="http://schemas.openxmlformats.org/officeDocument/2006/relationships" xmlns:mc="http://schemas.openxmlformats.org/markup-compatibility/2006" xmlns:mv="urn:schemas-microsoft-com:mac:vml" xmlns:p="http://schemas.openxmlformats.org/presentationml/2006/main" xmlns:c="http://schemas.openxmlformats.org/drawingml/2006/chart" xmlns:dgm="http://schemas.openxmlformats.org/drawingml/2006/diagram" xmlns:o="urn:schemas-microsoft-com:office:office" xmlns:v="urn:schemas-microsoft-com:vml" xmlns:pvml="urn:schemas-microsoft-com:office:powerpoint" xmlns:com="http://schemas.openxmlformats.org/drawingml/2006/compatibility" xmlns:p14="http://schemas.microsoft.com/office/powerpoint/2010/main" xmlns:p15="http://schemas.microsoft.com/office/powerpoint/2012/main" xmlns:ahyp="http://schemas.microsoft.com/office/drawing/2018/hyperlinkcolor" showMasterPhAnim="0" showMasterSp="0">
+  <p:cSld>
+    <p:spTree>
+      <p:nvGrpSpPr>
+        <p:cNvPr id="151" name="Shape 151"/>
+        <p:cNvGrpSpPr/>
+        <p:nvPr/>
+      </p:nvGrpSpPr>
+      <p:grpSpPr>
+        <a:xfrm>
+          <a:off x="0" y="0"/>
+          <a:ext cx="0" cy="0"/>
+          <a:chOff x="0" y="0"/>
+          <a:chExt cx="0" cy="0"/>
+        </a:xfrm>
+      </p:grpSpPr>
+      <p:sp>
+        <p:nvSpPr>
+          <p:cNvPr id="152" name="Google Shape;152;g30b1351023c_0_13:notes"/>
+          <p:cNvSpPr/>
+          <p:nvPr>
+            <p:ph idx="2" type="sldImg"/>
+          </p:nvPr>
+        </p:nvSpPr>
+        <p:spPr>
+          <a:xfrm>
+            <a:off x="381300" y="685800"/>
+            <a:ext cx="6096000" cy="3429000"/>
+          </a:xfrm>
+          <a:custGeom>
+            <a:rect b="b" l="l" r="r" t="t"/>
+            <a:pathLst>
+              <a:path extrusionOk="0" h="120000" w="120000">
+                <a:moveTo>
+                  <a:pt x="0" y="0"/>
+                </a:moveTo>
+                <a:lnTo>
+                  <a:pt x="120000" y="0"/>
+                </a:lnTo>
+                <a:lnTo>
+                  <a:pt x="120000" y="120000"/>
+                </a:lnTo>
+                <a:lnTo>
+                  <a:pt x="0" y="120000"/>
+                </a:lnTo>
+                <a:close/>
+              </a:path>
+            </a:pathLst>
+          </a:custGeom>
+        </p:spPr>
+      </p:sp>
+      <p:sp>
+        <p:nvSpPr>
+          <p:cNvPr id="153" name="Google Shape;153;g30b1351023c_0_13:notes"/>
+          <p:cNvSpPr txBox="1"/>
+          <p:nvPr>
+            <p:ph idx="1" type="body"/>
+          </p:nvPr>
+        </p:nvSpPr>
+        <p:spPr>
+          <a:xfrm>
+            <a:off x="685800" y="4343400"/>
+            <a:ext cx="5486400" cy="4114800"/>
+          </a:xfrm>
+          <a:prstGeom prst="rect">
+            <a:avLst/>
+          </a:prstGeom>
+        </p:spPr>
+        <p:txBody>
+          <a:bodyPr anchorCtr="0" anchor="t" bIns="91425" lIns="91425" spcFirstLastPara="1" rIns="91425" wrap="square" tIns="91425">
+            <a:noAutofit/>
+          </a:bodyPr>
+          <a:lstStyle/>
+          <a:p>
+            <a:pPr indent="0" lvl="0" marL="0" rtl="0" algn="l">
+              <a:spcBef>
+                <a:spcPts val="0"/>
+              </a:spcBef>
+              <a:spcAft>
+                <a:spcPts val="0"/>
+              </a:spcAft>
+              <a:buNone/>
+            </a:pPr>
+            <a:r>
+              <a:t/>
+            </a:r>
+            <a:endParaRPr/>
+          </a:p>
+        </p:txBody>
+      </p:sp>
+    </p:spTree>
+  </p:cSld>
+  <p:clrMapOvr>
+    <a:masterClrMapping/>
+  </p:clrMapOvr>
+</p:notes>
+</file>
+
+<file path=ppt/notesSlides/notesSlide15.xml><?xml version="1.0" encoding="utf-8"?>
+<p:notes xmlns:a="http://schemas.openxmlformats.org/drawingml/2006/main" xmlns:r="http://schemas.openxmlformats.org/officeDocument/2006/relationships" xmlns:mc="http://schemas.openxmlformats.org/markup-compatibility/2006" xmlns:mv="urn:schemas-microsoft-com:mac:vml" xmlns:p="http://schemas.openxmlformats.org/presentationml/2006/main" xmlns:c="http://schemas.openxmlformats.org/drawingml/2006/chart" xmlns:dgm="http://schemas.openxmlformats.org/drawingml/2006/diagram" xmlns:o="urn:schemas-microsoft-com:office:office" xmlns:v="urn:schemas-microsoft-com:vml" xmlns:pvml="urn:schemas-microsoft-com:office:powerpoint" xmlns:com="http://schemas.openxmlformats.org/drawingml/2006/compatibility" xmlns:p14="http://schemas.microsoft.com/office/powerpoint/2010/main" xmlns:p15="http://schemas.microsoft.com/office/powerpoint/2012/main" xmlns:ahyp="http://schemas.microsoft.com/office/drawing/2018/hyperlinkcolor" showMasterPhAnim="0" showMasterSp="0">
+  <p:cSld>
+    <p:spTree>
+      <p:nvGrpSpPr>
+        <p:cNvPr id="156" name="Shape 156"/>
+        <p:cNvGrpSpPr/>
+        <p:nvPr/>
+      </p:nvGrpSpPr>
+      <p:grpSpPr>
+        <a:xfrm>
+          <a:off x="0" y="0"/>
+          <a:ext cx="0" cy="0"/>
+          <a:chOff x="0" y="0"/>
+          <a:chExt cx="0" cy="0"/>
+        </a:xfrm>
+      </p:grpSpPr>
+      <p:sp>
+        <p:nvSpPr>
+          <p:cNvPr id="157" name="Google Shape;157;g30b6712621c_0_16:notes"/>
+          <p:cNvSpPr/>
+          <p:nvPr>
+            <p:ph idx="2" type="sldImg"/>
+          </p:nvPr>
+        </p:nvSpPr>
+        <p:spPr>
+          <a:xfrm>
+            <a:off x="381300" y="685800"/>
+            <a:ext cx="6096000" cy="3429000"/>
+          </a:xfrm>
+          <a:custGeom>
+            <a:rect b="b" l="l" r="r" t="t"/>
+            <a:pathLst>
+              <a:path extrusionOk="0" h="120000" w="120000">
+                <a:moveTo>
+                  <a:pt x="0" y="0"/>
+                </a:moveTo>
+                <a:lnTo>
+                  <a:pt x="120000" y="0"/>
+                </a:lnTo>
+                <a:lnTo>
+                  <a:pt x="120000" y="120000"/>
+                </a:lnTo>
+                <a:lnTo>
+                  <a:pt x="0" y="120000"/>
+                </a:lnTo>
+                <a:close/>
+              </a:path>
+            </a:pathLst>
+          </a:custGeom>
+        </p:spPr>
+      </p:sp>
+      <p:sp>
+        <p:nvSpPr>
+          <p:cNvPr id="158" name="Google Shape;158;g30b6712621c_0_16:notes"/>
+          <p:cNvSpPr txBox="1"/>
+          <p:nvPr>
+            <p:ph idx="1" type="body"/>
+          </p:nvPr>
+        </p:nvSpPr>
+        <p:spPr>
+          <a:xfrm>
+            <a:off x="685800" y="4343400"/>
+            <a:ext cx="5486400" cy="4114800"/>
+          </a:xfrm>
+          <a:prstGeom prst="rect">
+            <a:avLst/>
+          </a:prstGeom>
+        </p:spPr>
+        <p:txBody>
+          <a:bodyPr anchorCtr="0" anchor="t" bIns="91425" lIns="91425" spcFirstLastPara="1" rIns="91425" wrap="square" tIns="91425">
+            <a:noAutofit/>
+          </a:bodyPr>
+          <a:lstStyle/>
+          <a:p>
+            <a:pPr indent="0" lvl="0" marL="0" rtl="0" algn="l">
+              <a:spcBef>
+                <a:spcPts val="0"/>
+              </a:spcBef>
+              <a:spcAft>
+                <a:spcPts val="0"/>
+              </a:spcAft>
+              <a:buNone/>
+            </a:pPr>
+            <a:r>
+              <a:t/>
+            </a:r>
+            <a:endParaRPr/>
+          </a:p>
+        </p:txBody>
+      </p:sp>
+    </p:spTree>
+  </p:cSld>
+  <p:clrMapOvr>
+    <a:masterClrMapping/>
+  </p:clrMapOvr>
+</p:notes>
+</file>
+
+<file path=ppt/notesSlides/notesSlide16.xml><?xml version="1.0" encoding="utf-8"?>
+<p:notes xmlns:a="http://schemas.openxmlformats.org/drawingml/2006/main" xmlns:r="http://schemas.openxmlformats.org/officeDocument/2006/relationships" xmlns:mc="http://schemas.openxmlformats.org/markup-compatibility/2006" xmlns:mv="urn:schemas-microsoft-com:mac:vml" xmlns:p="http://schemas.openxmlformats.org/presentationml/2006/main" xmlns:c="http://schemas.openxmlformats.org/drawingml/2006/chart" xmlns:dgm="http://schemas.openxmlformats.org/drawingml/2006/diagram" xmlns:o="urn:schemas-microsoft-com:office:office" xmlns:v="urn:schemas-microsoft-com:vml" xmlns:pvml="urn:schemas-microsoft-com:office:powerpoint" xmlns:com="http://schemas.openxmlformats.org/drawingml/2006/compatibility" xmlns:p14="http://schemas.microsoft.com/office/powerpoint/2010/main" xmlns:p15="http://schemas.microsoft.com/office/powerpoint/2012/main" xmlns:ahyp="http://schemas.microsoft.com/office/drawing/2018/hyperlinkcolor" showMasterPhAnim="0" showMasterSp="0">
+  <p:cSld>
+    <p:spTree>
+      <p:nvGrpSpPr>
+        <p:cNvPr id="161" name="Shape 161"/>
+        <p:cNvGrpSpPr/>
+        <p:nvPr/>
+      </p:nvGrpSpPr>
+      <p:grpSpPr>
+        <a:xfrm>
+          <a:off x="0" y="0"/>
+          <a:ext cx="0" cy="0"/>
+          <a:chOff x="0" y="0"/>
+          <a:chExt cx="0" cy="0"/>
+        </a:xfrm>
+      </p:grpSpPr>
+      <p:sp>
+        <p:nvSpPr>
+          <p:cNvPr id="162" name="Google Shape;162;g30b1351023c_0_288:notes"/>
+          <p:cNvSpPr/>
+          <p:nvPr>
+            <p:ph idx="2" type="sldImg"/>
+          </p:nvPr>
+        </p:nvSpPr>
+        <p:spPr>
+          <a:xfrm>
+            <a:off x="381300" y="685800"/>
+            <a:ext cx="6096000" cy="3429000"/>
+          </a:xfrm>
+          <a:custGeom>
+            <a:rect b="b" l="l" r="r" t="t"/>
+            <a:pathLst>
+              <a:path extrusionOk="0" h="120000" w="120000">
+                <a:moveTo>
+                  <a:pt x="0" y="0"/>
+                </a:moveTo>
+                <a:lnTo>
+                  <a:pt x="120000" y="0"/>
+                </a:lnTo>
+                <a:lnTo>
+                  <a:pt x="120000" y="120000"/>
+                </a:lnTo>
+                <a:lnTo>
+                  <a:pt x="0" y="120000"/>
+                </a:lnTo>
+                <a:close/>
+              </a:path>
+            </a:pathLst>
+          </a:custGeom>
+        </p:spPr>
+      </p:sp>
+      <p:sp>
+        <p:nvSpPr>
+          <p:cNvPr id="163" name="Google Shape;163;g30b1351023c_0_288:notes"/>
+          <p:cNvSpPr txBox="1"/>
+          <p:nvPr>
+            <p:ph idx="1" type="body"/>
+          </p:nvPr>
+        </p:nvSpPr>
+        <p:spPr>
+          <a:xfrm>
+            <a:off x="685800" y="4343400"/>
+            <a:ext cx="5486400" cy="4114800"/>
+          </a:xfrm>
+          <a:prstGeom prst="rect">
+            <a:avLst/>
+          </a:prstGeom>
+        </p:spPr>
+        <p:txBody>
+          <a:bodyPr anchorCtr="0" anchor="t" bIns="91425" lIns="91425" spcFirstLastPara="1" rIns="91425" wrap="square" tIns="91425">
+            <a:noAutofit/>
+          </a:bodyPr>
+          <a:lstStyle/>
+          <a:p>
+            <a:pPr indent="0" lvl="0" marL="0" rtl="0" algn="l">
+              <a:spcBef>
+                <a:spcPts val="0"/>
+              </a:spcBef>
+              <a:spcAft>
+                <a:spcPts val="0"/>
+              </a:spcAft>
+              <a:buNone/>
+            </a:pPr>
+            <a:r>
+              <a:t/>
+            </a:r>
+            <a:endParaRPr/>
+          </a:p>
+        </p:txBody>
+      </p:sp>
+    </p:spTree>
+  </p:cSld>
+  <p:clrMapOvr>
+    <a:masterClrMapping/>
+  </p:clrMapOvr>
+</p:notes>
+</file>
+
+<file path=ppt/notesSlides/notesSlide17.xml><?xml version="1.0" encoding="utf-8"?>
+<p:notes xmlns:a="http://schemas.openxmlformats.org/drawingml/2006/main" xmlns:r="http://schemas.openxmlformats.org/officeDocument/2006/relationships" xmlns:mc="http://schemas.openxmlformats.org/markup-compatibility/2006" xmlns:mv="urn:schemas-microsoft-com:mac:vml" xmlns:p="http://schemas.openxmlformats.org/presentationml/2006/main" xmlns:c="http://schemas.openxmlformats.org/drawingml/2006/chart" xmlns:dgm="http://schemas.openxmlformats.org/drawingml/2006/diagram" xmlns:o="urn:schemas-microsoft-com:office:office" xmlns:v="urn:schemas-microsoft-com:vml" xmlns:pvml="urn:schemas-microsoft-com:office:powerpoint" xmlns:com="http://schemas.openxmlformats.org/drawingml/2006/compatibility" xmlns:p14="http://schemas.microsoft.com/office/powerpoint/2010/main" xmlns:p15="http://schemas.microsoft.com/office/powerpoint/2012/main" xmlns:ahyp="http://schemas.microsoft.com/office/drawing/2018/hyperlinkcolor" showMasterPhAnim="0" showMasterSp="0">
+  <p:cSld>
+    <p:spTree>
+      <p:nvGrpSpPr>
+        <p:cNvPr id="167" name="Shape 167"/>
+        <p:cNvGrpSpPr/>
+        <p:nvPr/>
+      </p:nvGrpSpPr>
+      <p:grpSpPr>
+        <a:xfrm>
+          <a:off x="0" y="0"/>
+          <a:ext cx="0" cy="0"/>
+          <a:chOff x="0" y="0"/>
+          <a:chExt cx="0" cy="0"/>
+        </a:xfrm>
+      </p:grpSpPr>
+      <p:sp>
+        <p:nvSpPr>
+          <p:cNvPr id="168" name="Google Shape;168;g30b1351023c_0_299:notes"/>
+          <p:cNvSpPr/>
+          <p:nvPr>
+            <p:ph idx="2" type="sldImg"/>
+          </p:nvPr>
+        </p:nvSpPr>
+        <p:spPr>
+          <a:xfrm>
+            <a:off x="381300" y="685800"/>
+            <a:ext cx="6096000" cy="3429000"/>
+          </a:xfrm>
+          <a:custGeom>
+            <a:rect b="b" l="l" r="r" t="t"/>
+            <a:pathLst>
+              <a:path extrusionOk="0" h="120000" w="120000">
+                <a:moveTo>
+                  <a:pt x="0" y="0"/>
+                </a:moveTo>
+                <a:lnTo>
+                  <a:pt x="120000" y="0"/>
+                </a:lnTo>
+                <a:lnTo>
+                  <a:pt x="120000" y="120000"/>
+                </a:lnTo>
+                <a:lnTo>
+                  <a:pt x="0" y="120000"/>
+                </a:lnTo>
+                <a:close/>
+              </a:path>
+            </a:pathLst>
+          </a:custGeom>
+        </p:spPr>
+      </p:sp>
+      <p:sp>
+        <p:nvSpPr>
+          <p:cNvPr id="169" name="Google Shape;169;g30b1351023c_0_299:notes"/>
           <p:cNvSpPr txBox="1"/>
           <p:nvPr>
             <p:ph idx="1" type="body"/>
@@ -1220,7 +1720,7 @@
       </p:grpSpPr>
       <p:sp>
         <p:nvSpPr>
-          <p:cNvPr id="93" name="Google Shape;93;g30b1351023c_0_233:notes"/>
+          <p:cNvPr id="93" name="Google Shape;93;g30b6712621c_0_0:notes"/>
           <p:cNvSpPr/>
           <p:nvPr>
             <p:ph idx="2" type="sldImg"/>
@@ -1255,7 +1755,7 @@
       </p:sp>
       <p:sp>
         <p:nvSpPr>
-          <p:cNvPr id="94" name="Google Shape;94;g30b1351023c_0_233:notes"/>
+          <p:cNvPr id="94" name="Google Shape;94;g30b6712621c_0_0:notes"/>
           <p:cNvSpPr txBox="1"/>
           <p:nvPr>
             <p:ph idx="1" type="body"/>
@@ -1305,7 +1805,7 @@
   <p:cSld>
     <p:spTree>
       <p:nvGrpSpPr>
-        <p:cNvPr id="98" name="Shape 98"/>
+        <p:cNvPr id="97" name="Shape 97"/>
         <p:cNvGrpSpPr/>
         <p:nvPr/>
       </p:nvGrpSpPr>
@@ -1319,7 +1819,7 @@
       </p:grpSpPr>
       <p:sp>
         <p:nvSpPr>
-          <p:cNvPr id="99" name="Google Shape;99;g30b1351023c_0_219:notes"/>
+          <p:cNvPr id="98" name="Google Shape;98;g30b1351023c_0_233:notes"/>
           <p:cNvSpPr/>
           <p:nvPr>
             <p:ph idx="2" type="sldImg"/>
@@ -1354,7 +1854,7 @@
       </p:sp>
       <p:sp>
         <p:nvSpPr>
-          <p:cNvPr id="100" name="Google Shape;100;g30b1351023c_0_219:notes"/>
+          <p:cNvPr id="99" name="Google Shape;99;g30b1351023c_0_233:notes"/>
           <p:cNvSpPr txBox="1"/>
           <p:nvPr>
             <p:ph idx="1" type="body"/>
@@ -1418,7 +1918,7 @@
       </p:grpSpPr>
       <p:sp>
         <p:nvSpPr>
-          <p:cNvPr id="104" name="Google Shape;104;g30b1351023c_0_259:notes"/>
+          <p:cNvPr id="104" name="Google Shape;104;g30b1351023c_0_219:notes"/>
           <p:cNvSpPr/>
           <p:nvPr>
             <p:ph idx="2" type="sldImg"/>
@@ -1453,7 +1953,7 @@
       </p:sp>
       <p:sp>
         <p:nvSpPr>
-          <p:cNvPr id="105" name="Google Shape;105;g30b1351023c_0_259:notes"/>
+          <p:cNvPr id="105" name="Google Shape;105;g30b1351023c_0_219:notes"/>
           <p:cNvSpPr txBox="1"/>
           <p:nvPr>
             <p:ph idx="1" type="body"/>
@@ -1503,7 +2003,7 @@
   <p:cSld>
     <p:spTree>
       <p:nvGrpSpPr>
-        <p:cNvPr id="109" name="Shape 109"/>
+        <p:cNvPr id="108" name="Shape 108"/>
         <p:cNvGrpSpPr/>
         <p:nvPr/>
       </p:nvGrpSpPr>
@@ -1517,7 +2017,7 @@
       </p:grpSpPr>
       <p:sp>
         <p:nvSpPr>
-          <p:cNvPr id="110" name="Google Shape;110;g30b1351023c_0_0:notes"/>
+          <p:cNvPr id="109" name="Google Shape;109;g30b6712621c_0_4:notes"/>
           <p:cNvSpPr/>
           <p:nvPr>
             <p:ph idx="2" type="sldImg"/>
@@ -1552,7 +2052,7 @@
       </p:sp>
       <p:sp>
         <p:nvSpPr>
-          <p:cNvPr id="111" name="Google Shape;111;g30b1351023c_0_0:notes"/>
+          <p:cNvPr id="110" name="Google Shape;110;g30b6712621c_0_4:notes"/>
           <p:cNvSpPr txBox="1"/>
           <p:nvPr>
             <p:ph idx="1" type="body"/>
@@ -1602,7 +2102,7 @@
   <p:cSld>
     <p:spTree>
       <p:nvGrpSpPr>
-        <p:cNvPr id="114" name="Shape 114"/>
+        <p:cNvPr id="113" name="Shape 113"/>
         <p:cNvGrpSpPr/>
         <p:nvPr/>
       </p:nvGrpSpPr>
@@ -1616,7 +2116,7 @@
       </p:grpSpPr>
       <p:sp>
         <p:nvSpPr>
-          <p:cNvPr id="115" name="Google Shape;115;g30b1351023c_0_241:notes"/>
+          <p:cNvPr id="114" name="Google Shape;114;g30b1351023c_0_259:notes"/>
           <p:cNvSpPr/>
           <p:nvPr>
             <p:ph idx="2" type="sldImg"/>
@@ -1651,7 +2151,7 @@
       </p:sp>
       <p:sp>
         <p:nvSpPr>
-          <p:cNvPr id="116" name="Google Shape;116;g30b1351023c_0_241:notes"/>
+          <p:cNvPr id="115" name="Google Shape;115;g30b1351023c_0_259:notes"/>
           <p:cNvSpPr txBox="1"/>
           <p:nvPr>
             <p:ph idx="1" type="body"/>
@@ -1701,7 +2201,7 @@
   <p:cSld>
     <p:spTree>
       <p:nvGrpSpPr>
-        <p:cNvPr id="120" name="Shape 120"/>
+        <p:cNvPr id="119" name="Shape 119"/>
         <p:cNvGrpSpPr/>
         <p:nvPr/>
       </p:nvGrpSpPr>
@@ -1715,7 +2215,7 @@
       </p:grpSpPr>
       <p:sp>
         <p:nvSpPr>
-          <p:cNvPr id="121" name="Google Shape;121;g30b1351023c_0_6:notes"/>
+          <p:cNvPr id="120" name="Google Shape;120;g30b1351023c_0_0:notes"/>
           <p:cNvSpPr/>
           <p:nvPr>
             <p:ph idx="2" type="sldImg"/>
@@ -1750,7 +2250,7 @@
       </p:sp>
       <p:sp>
         <p:nvSpPr>
-          <p:cNvPr id="122" name="Google Shape;122;g30b1351023c_0_6:notes"/>
+          <p:cNvPr id="121" name="Google Shape;121;g30b1351023c_0_0:notes"/>
           <p:cNvSpPr txBox="1"/>
           <p:nvPr>
             <p:ph idx="1" type="body"/>
@@ -1800,7 +2300,7 @@
   <p:cSld>
     <p:spTree>
       <p:nvGrpSpPr>
-        <p:cNvPr id="125" name="Shape 125"/>
+        <p:cNvPr id="124" name="Shape 124"/>
         <p:cNvGrpSpPr/>
         <p:nvPr/>
       </p:nvGrpSpPr>
@@ -1814,7 +2314,7 @@
       </p:grpSpPr>
       <p:sp>
         <p:nvSpPr>
-          <p:cNvPr id="126" name="Google Shape;126;g30b1351023c_0_249:notes"/>
+          <p:cNvPr id="125" name="Google Shape;125;g30b6712621c_0_8:notes"/>
           <p:cNvSpPr/>
           <p:nvPr>
             <p:ph idx="2" type="sldImg"/>
@@ -1849,7 +2349,7 @@
       </p:sp>
       <p:sp>
         <p:nvSpPr>
-          <p:cNvPr id="127" name="Google Shape;127;g30b1351023c_0_249:notes"/>
+          <p:cNvPr id="126" name="Google Shape;126;g30b6712621c_0_8:notes"/>
           <p:cNvSpPr txBox="1"/>
           <p:nvPr>
             <p:ph idx="1" type="body"/>
@@ -8604,7 +9104,196 @@
   <p:cSld>
     <p:spTree>
       <p:nvGrpSpPr>
-        <p:cNvPr id="134" name="Shape 134"/>
+        <p:cNvPr id="132" name="Shape 132"/>
+        <p:cNvGrpSpPr/>
+        <p:nvPr/>
+      </p:nvGrpSpPr>
+      <p:grpSpPr>
+        <a:xfrm>
+          <a:off x="0" y="0"/>
+          <a:ext cx="0" cy="0"/>
+          <a:chOff x="0" y="0"/>
+          <a:chExt cx="0" cy="0"/>
+        </a:xfrm>
+      </p:grpSpPr>
+      <p:sp>
+        <p:nvSpPr>
+          <p:cNvPr id="133" name="Google Shape;133;p22"/>
+          <p:cNvSpPr txBox="1"/>
+          <p:nvPr>
+            <p:ph type="title"/>
+          </p:nvPr>
+        </p:nvSpPr>
+        <p:spPr>
+          <a:xfrm>
+            <a:off x="311700" y="410000"/>
+            <a:ext cx="8520600" cy="607800"/>
+          </a:xfrm>
+          <a:prstGeom prst="rect">
+            <a:avLst/>
+          </a:prstGeom>
+        </p:spPr>
+        <p:txBody>
+          <a:bodyPr anchorCtr="0" anchor="t" bIns="91425" lIns="91425" spcFirstLastPara="1" rIns="91425" wrap="square" tIns="91425">
+            <a:normAutofit fontScale="90000"/>
+          </a:bodyPr>
+          <a:lstStyle/>
+          <a:p>
+            <a:pPr indent="0" lvl="0" marL="0" rtl="0" algn="l">
+              <a:spcBef>
+                <a:spcPts val="0"/>
+              </a:spcBef>
+              <a:spcAft>
+                <a:spcPts val="0"/>
+              </a:spcAft>
+              <a:buNone/>
+            </a:pPr>
+            <a:r>
+              <a:rPr lang="en"/>
+              <a:t>Average Write and Read Latency</a:t>
+            </a:r>
+            <a:endParaRPr/>
+          </a:p>
+        </p:txBody>
+      </p:sp>
+      <p:sp>
+        <p:nvSpPr>
+          <p:cNvPr id="134" name="Google Shape;134;p22"/>
+          <p:cNvSpPr txBox="1"/>
+          <p:nvPr>
+            <p:ph idx="1" type="body"/>
+          </p:nvPr>
+        </p:nvSpPr>
+        <p:spPr>
+          <a:xfrm>
+            <a:off x="311700" y="1229875"/>
+            <a:ext cx="8520600" cy="3339000"/>
+          </a:xfrm>
+          <a:prstGeom prst="rect">
+            <a:avLst/>
+          </a:prstGeom>
+        </p:spPr>
+        <p:txBody>
+          <a:bodyPr anchorCtr="0" anchor="t" bIns="91425" lIns="91425" spcFirstLastPara="1" rIns="91425" wrap="square" tIns="91425">
+            <a:normAutofit fontScale="70000"/>
+          </a:bodyPr>
+          <a:lstStyle/>
+          <a:p>
+            <a:pPr indent="-326390" lvl="0" marL="457200" rtl="0" algn="l">
+              <a:lnSpc>
+                <a:spcPct val="150000"/>
+              </a:lnSpc>
+              <a:spcBef>
+                <a:spcPts val="1200"/>
+              </a:spcBef>
+              <a:spcAft>
+                <a:spcPts val="0"/>
+              </a:spcAft>
+              <a:buSzPct val="100000"/>
+              <a:buChar char="●"/>
+            </a:pPr>
+            <a:r>
+              <a:rPr lang="en" sz="2200"/>
+              <a:t>Normal Threads</a:t>
+            </a:r>
+            <a:endParaRPr sz="2200"/>
+          </a:p>
+          <a:p>
+            <a:pPr indent="-326390" lvl="1" marL="914400" rtl="0" algn="l">
+              <a:lnSpc>
+                <a:spcPct val="150000"/>
+              </a:lnSpc>
+              <a:spcBef>
+                <a:spcPts val="0"/>
+              </a:spcBef>
+              <a:spcAft>
+                <a:spcPts val="0"/>
+              </a:spcAft>
+              <a:buSzPct val="100000"/>
+              <a:buChar char="○"/>
+            </a:pPr>
+            <a:r>
+              <a:rPr lang="en" sz="2200"/>
+              <a:t>Latency increases significantly as the number of threads rises, especially beyond 50 threads.</a:t>
+            </a:r>
+            <a:endParaRPr sz="2200"/>
+          </a:p>
+          <a:p>
+            <a:pPr indent="-326390" lvl="0" marL="457200" rtl="0" algn="l">
+              <a:lnSpc>
+                <a:spcPct val="150000"/>
+              </a:lnSpc>
+              <a:spcBef>
+                <a:spcPts val="0"/>
+              </a:spcBef>
+              <a:spcAft>
+                <a:spcPts val="0"/>
+              </a:spcAft>
+              <a:buSzPct val="100000"/>
+              <a:buChar char="●"/>
+            </a:pPr>
+            <a:r>
+              <a:rPr lang="en" sz="2200"/>
+              <a:t>Virtual Threads </a:t>
+            </a:r>
+            <a:endParaRPr sz="2200"/>
+          </a:p>
+          <a:p>
+            <a:pPr indent="-326390" lvl="1" marL="914400" rtl="0" algn="l">
+              <a:lnSpc>
+                <a:spcPct val="150000"/>
+              </a:lnSpc>
+              <a:spcBef>
+                <a:spcPts val="0"/>
+              </a:spcBef>
+              <a:spcAft>
+                <a:spcPts val="0"/>
+              </a:spcAft>
+              <a:buSzPct val="100000"/>
+              <a:buChar char="○"/>
+            </a:pPr>
+            <a:r>
+              <a:rPr lang="en" sz="2200"/>
+              <a:t>Latency remains relatively low and increases slowly, even as the thread count grows to higher values.</a:t>
+            </a:r>
+            <a:endParaRPr sz="2200"/>
+          </a:p>
+          <a:p>
+            <a:pPr indent="-326390" lvl="0" marL="457200" rtl="0" algn="l">
+              <a:lnSpc>
+                <a:spcPct val="150000"/>
+              </a:lnSpc>
+              <a:spcBef>
+                <a:spcPts val="0"/>
+              </a:spcBef>
+              <a:spcAft>
+                <a:spcPts val="0"/>
+              </a:spcAft>
+              <a:buSzPct val="100000"/>
+              <a:buChar char="●"/>
+            </a:pPr>
+            <a:r>
+              <a:rPr lang="en" sz="2200"/>
+              <a:t>Normal threads overload the system more quickly, consuming more resources and leading to higher latencies as thread counts increase. In contrast, virtual threads handle higher loads more efficiently, maintaining lower latency even with a large number of threads.</a:t>
+            </a:r>
+            <a:endParaRPr sz="2200"/>
+          </a:p>
+        </p:txBody>
+      </p:sp>
+    </p:spTree>
+  </p:cSld>
+  <p:clrMapOvr>
+    <a:masterClrMapping/>
+  </p:clrMapOvr>
+</p:sld>
+</file>
+
+<file path=ppt/slides/slide11.xml><?xml version="1.0" encoding="utf-8"?>
+<p:sld xmlns:a="http://schemas.openxmlformats.org/drawingml/2006/main" xmlns:r="http://schemas.openxmlformats.org/officeDocument/2006/relationships" xmlns:mc="http://schemas.openxmlformats.org/markup-compatibility/2006" xmlns:mv="urn:schemas-microsoft-com:mac:vml" xmlns:p="http://schemas.openxmlformats.org/presentationml/2006/main" xmlns:c="http://schemas.openxmlformats.org/drawingml/2006/chart" xmlns:dgm="http://schemas.openxmlformats.org/drawingml/2006/diagram" xmlns:o="urn:schemas-microsoft-com:office:office" xmlns:v="urn:schemas-microsoft-com:vml" xmlns:pvml="urn:schemas-microsoft-com:office:powerpoint" xmlns:com="http://schemas.openxmlformats.org/drawingml/2006/compatibility" xmlns:p14="http://schemas.microsoft.com/office/powerpoint/2010/main" xmlns:p15="http://schemas.microsoft.com/office/powerpoint/2012/main" xmlns:ahyp="http://schemas.microsoft.com/office/drawing/2018/hyperlinkcolor">
+  <p:cSld>
+    <p:spTree>
+      <p:nvGrpSpPr>
+        <p:cNvPr id="138" name="Shape 138"/>
         <p:cNvGrpSpPr/>
         <p:nvPr/>
       </p:nvGrpSpPr>
@@ -8618,7 +9307,342 @@
       </p:grpSpPr>
       <p:pic>
         <p:nvPicPr>
-          <p:cNvPr id="135" name="Google Shape;135;p22" title="Points scored"/>
+          <p:cNvPr id="139" name="Google Shape;139;p23" title="Points scored"/>
+          <p:cNvPicPr preferRelativeResize="0"/>
+          <p:nvPr/>
+        </p:nvPicPr>
+        <p:blipFill>
+          <a:blip r:embed="rId3">
+            <a:alphaModFix/>
+          </a:blip>
+          <a:stretch>
+            <a:fillRect/>
+          </a:stretch>
+        </p:blipFill>
+        <p:spPr>
+          <a:xfrm>
+            <a:off x="615453" y="0"/>
+            <a:ext cx="7913094" cy="5143499"/>
+          </a:xfrm>
+          <a:prstGeom prst="rect">
+            <a:avLst/>
+          </a:prstGeom>
+          <a:noFill/>
+          <a:ln>
+            <a:noFill/>
+          </a:ln>
+        </p:spPr>
+      </p:pic>
+    </p:spTree>
+  </p:cSld>
+  <p:clrMapOvr>
+    <a:masterClrMapping/>
+  </p:clrMapOvr>
+</p:sld>
+</file>
+
+<file path=ppt/slides/slide12.xml><?xml version="1.0" encoding="utf-8"?>
+<p:sld xmlns:a="http://schemas.openxmlformats.org/drawingml/2006/main" xmlns:r="http://schemas.openxmlformats.org/officeDocument/2006/relationships" xmlns:mc="http://schemas.openxmlformats.org/markup-compatibility/2006" xmlns:mv="urn:schemas-microsoft-com:mac:vml" xmlns:p="http://schemas.openxmlformats.org/presentationml/2006/main" xmlns:c="http://schemas.openxmlformats.org/drawingml/2006/chart" xmlns:dgm="http://schemas.openxmlformats.org/drawingml/2006/diagram" xmlns:o="urn:schemas-microsoft-com:office:office" xmlns:v="urn:schemas-microsoft-com:vml" xmlns:pvml="urn:schemas-microsoft-com:office:powerpoint" xmlns:com="http://schemas.openxmlformats.org/drawingml/2006/compatibility" xmlns:p14="http://schemas.microsoft.com/office/powerpoint/2010/main" xmlns:p15="http://schemas.microsoft.com/office/powerpoint/2012/main" xmlns:ahyp="http://schemas.microsoft.com/office/drawing/2018/hyperlinkcolor">
+  <p:cSld>
+    <p:spTree>
+      <p:nvGrpSpPr>
+        <p:cNvPr id="143" name="Shape 143"/>
+        <p:cNvGrpSpPr/>
+        <p:nvPr/>
+      </p:nvGrpSpPr>
+      <p:grpSpPr>
+        <a:xfrm>
+          <a:off x="0" y="0"/>
+          <a:ext cx="0" cy="0"/>
+          <a:chOff x="0" y="0"/>
+          <a:chExt cx="0" cy="0"/>
+        </a:xfrm>
+      </p:grpSpPr>
+      <p:pic>
+        <p:nvPicPr>
+          <p:cNvPr id="144" name="Google Shape;144;p24" title="Points scored"/>
+          <p:cNvPicPr preferRelativeResize="0"/>
+          <p:nvPr/>
+        </p:nvPicPr>
+        <p:blipFill>
+          <a:blip r:embed="rId3">
+            <a:alphaModFix/>
+          </a:blip>
+          <a:stretch>
+            <a:fillRect/>
+          </a:stretch>
+        </p:blipFill>
+        <p:spPr>
+          <a:xfrm>
+            <a:off x="412825" y="0"/>
+            <a:ext cx="8318343" cy="5143499"/>
+          </a:xfrm>
+          <a:prstGeom prst="rect">
+            <a:avLst/>
+          </a:prstGeom>
+          <a:noFill/>
+          <a:ln>
+            <a:noFill/>
+          </a:ln>
+        </p:spPr>
+      </p:pic>
+    </p:spTree>
+  </p:cSld>
+  <p:clrMapOvr>
+    <a:masterClrMapping/>
+  </p:clrMapOvr>
+</p:sld>
+</file>
+
+<file path=ppt/slides/slide13.xml><?xml version="1.0" encoding="utf-8"?>
+<p:sld xmlns:a="http://schemas.openxmlformats.org/drawingml/2006/main" xmlns:r="http://schemas.openxmlformats.org/officeDocument/2006/relationships" xmlns:mc="http://schemas.openxmlformats.org/markup-compatibility/2006" xmlns:mv="urn:schemas-microsoft-com:mac:vml" xmlns:p="http://schemas.openxmlformats.org/presentationml/2006/main" xmlns:c="http://schemas.openxmlformats.org/drawingml/2006/chart" xmlns:dgm="http://schemas.openxmlformats.org/drawingml/2006/diagram" xmlns:o="urn:schemas-microsoft-com:office:office" xmlns:v="urn:schemas-microsoft-com:vml" xmlns:pvml="urn:schemas-microsoft-com:office:powerpoint" xmlns:com="http://schemas.openxmlformats.org/drawingml/2006/compatibility" xmlns:p14="http://schemas.microsoft.com/office/powerpoint/2010/main" xmlns:p15="http://schemas.microsoft.com/office/powerpoint/2012/main" xmlns:ahyp="http://schemas.microsoft.com/office/drawing/2018/hyperlinkcolor">
+  <p:cSld>
+    <p:spTree>
+      <p:nvGrpSpPr>
+        <p:cNvPr id="148" name="Shape 148"/>
+        <p:cNvGrpSpPr/>
+        <p:nvPr/>
+      </p:nvGrpSpPr>
+      <p:grpSpPr>
+        <a:xfrm>
+          <a:off x="0" y="0"/>
+          <a:ext cx="0" cy="0"/>
+          <a:chOff x="0" y="0"/>
+          <a:chExt cx="0" cy="0"/>
+        </a:xfrm>
+      </p:grpSpPr>
+      <p:sp>
+        <p:nvSpPr>
+          <p:cNvPr id="149" name="Google Shape;149;p25"/>
+          <p:cNvSpPr txBox="1"/>
+          <p:nvPr>
+            <p:ph type="title"/>
+          </p:nvPr>
+        </p:nvSpPr>
+        <p:spPr>
+          <a:xfrm>
+            <a:off x="311700" y="410000"/>
+            <a:ext cx="8520600" cy="607800"/>
+          </a:xfrm>
+          <a:prstGeom prst="rect">
+            <a:avLst/>
+          </a:prstGeom>
+        </p:spPr>
+        <p:txBody>
+          <a:bodyPr anchorCtr="0" anchor="t" bIns="91425" lIns="91425" spcFirstLastPara="1" rIns="91425" wrap="square" tIns="91425">
+            <a:normAutofit fontScale="90000"/>
+          </a:bodyPr>
+          <a:lstStyle/>
+          <a:p>
+            <a:pPr indent="0" lvl="0" marL="0" rtl="0" algn="l">
+              <a:spcBef>
+                <a:spcPts val="0"/>
+              </a:spcBef>
+              <a:spcAft>
+                <a:spcPts val="0"/>
+              </a:spcAft>
+              <a:buNone/>
+            </a:pPr>
+            <a:r>
+              <a:rPr lang="en"/>
+              <a:t>Cluster CPU Usage</a:t>
+            </a:r>
+            <a:endParaRPr/>
+          </a:p>
+        </p:txBody>
+      </p:sp>
+      <p:sp>
+        <p:nvSpPr>
+          <p:cNvPr id="150" name="Google Shape;150;p25"/>
+          <p:cNvSpPr txBox="1"/>
+          <p:nvPr>
+            <p:ph idx="1" type="body"/>
+          </p:nvPr>
+        </p:nvSpPr>
+        <p:spPr>
+          <a:xfrm>
+            <a:off x="311700" y="1229875"/>
+            <a:ext cx="8520600" cy="3339000"/>
+          </a:xfrm>
+          <a:prstGeom prst="rect">
+            <a:avLst/>
+          </a:prstGeom>
+        </p:spPr>
+        <p:txBody>
+          <a:bodyPr anchorCtr="0" anchor="t" bIns="91425" lIns="91425" spcFirstLastPara="1" rIns="91425" wrap="square" tIns="91425">
+            <a:normAutofit fontScale="77500" lnSpcReduction="20000"/>
+          </a:bodyPr>
+          <a:lstStyle/>
+          <a:p>
+            <a:pPr indent="-336867" lvl="0" marL="457200" rtl="0" algn="l">
+              <a:lnSpc>
+                <a:spcPct val="150000"/>
+              </a:lnSpc>
+              <a:spcBef>
+                <a:spcPts val="1200"/>
+              </a:spcBef>
+              <a:spcAft>
+                <a:spcPts val="0"/>
+              </a:spcAft>
+              <a:buSzPct val="100000"/>
+              <a:buChar char="●"/>
+            </a:pPr>
+            <a:r>
+              <a:rPr lang="en" sz="2200"/>
+              <a:t>Normal Thread</a:t>
+            </a:r>
+            <a:endParaRPr sz="2200"/>
+          </a:p>
+          <a:p>
+            <a:pPr indent="-336867" lvl="1" marL="914400" rtl="0" algn="l">
+              <a:lnSpc>
+                <a:spcPct val="150000"/>
+              </a:lnSpc>
+              <a:spcBef>
+                <a:spcPts val="0"/>
+              </a:spcBef>
+              <a:spcAft>
+                <a:spcPts val="0"/>
+              </a:spcAft>
+              <a:buSzPct val="100000"/>
+              <a:buChar char="○"/>
+            </a:pPr>
+            <a:r>
+              <a:rPr lang="en" sz="2200"/>
+              <a:t>CPU usage increases with thread count.</a:t>
+            </a:r>
+            <a:endParaRPr sz="2200"/>
+          </a:p>
+          <a:p>
+            <a:pPr indent="-336867" lvl="1" marL="914400" rtl="0" algn="l">
+              <a:lnSpc>
+                <a:spcPct val="150000"/>
+              </a:lnSpc>
+              <a:spcBef>
+                <a:spcPts val="0"/>
+              </a:spcBef>
+              <a:spcAft>
+                <a:spcPts val="0"/>
+              </a:spcAft>
+              <a:buSzPct val="100000"/>
+              <a:buChar char="○"/>
+            </a:pPr>
+            <a:r>
+              <a:rPr lang="en" sz="2200"/>
+              <a:t>Near CPU saturation at 80 threads (over 90% usage).</a:t>
+            </a:r>
+            <a:endParaRPr sz="2200"/>
+          </a:p>
+          <a:p>
+            <a:pPr indent="-336867" lvl="1" marL="914400" rtl="0" algn="l">
+              <a:lnSpc>
+                <a:spcPct val="150000"/>
+              </a:lnSpc>
+              <a:spcBef>
+                <a:spcPts val="0"/>
+              </a:spcBef>
+              <a:spcAft>
+                <a:spcPts val="0"/>
+              </a:spcAft>
+              <a:buSzPct val="100000"/>
+              <a:buChar char="○"/>
+            </a:pPr>
+            <a:r>
+              <a:rPr lang="en" sz="2200"/>
+              <a:t>High CPU usage contributes to increased latency.</a:t>
+            </a:r>
+            <a:endParaRPr sz="2200"/>
+          </a:p>
+          <a:p>
+            <a:pPr indent="-336867" lvl="0" marL="457200" rtl="0" algn="l">
+              <a:lnSpc>
+                <a:spcPct val="150000"/>
+              </a:lnSpc>
+              <a:spcBef>
+                <a:spcPts val="0"/>
+              </a:spcBef>
+              <a:spcAft>
+                <a:spcPts val="0"/>
+              </a:spcAft>
+              <a:buSzPct val="100000"/>
+              <a:buChar char="●"/>
+            </a:pPr>
+            <a:r>
+              <a:rPr lang="en" sz="2200"/>
+              <a:t>Virtual Threads </a:t>
+            </a:r>
+            <a:endParaRPr sz="2200"/>
+          </a:p>
+          <a:p>
+            <a:pPr indent="-336867" lvl="1" marL="914400" rtl="0" algn="l">
+              <a:lnSpc>
+                <a:spcPct val="150000"/>
+              </a:lnSpc>
+              <a:spcBef>
+                <a:spcPts val="0"/>
+              </a:spcBef>
+              <a:spcAft>
+                <a:spcPts val="0"/>
+              </a:spcAft>
+              <a:buSzPct val="100000"/>
+              <a:buChar char="○"/>
+            </a:pPr>
+            <a:r>
+              <a:rPr lang="en" sz="2200"/>
+              <a:t>CPU usage is significantly lower at lower thread counts, starting at 47.06% with 1 thread. </a:t>
+            </a:r>
+            <a:endParaRPr sz="2200"/>
+          </a:p>
+          <a:p>
+            <a:pPr indent="-336867" lvl="1" marL="914400" rtl="0" algn="l">
+              <a:lnSpc>
+                <a:spcPct val="150000"/>
+              </a:lnSpc>
+              <a:spcBef>
+                <a:spcPts val="0"/>
+              </a:spcBef>
+              <a:spcAft>
+                <a:spcPts val="0"/>
+              </a:spcAft>
+              <a:buSzPct val="100000"/>
+              <a:buChar char="○"/>
+            </a:pPr>
+            <a:r>
+              <a:rPr lang="en" sz="2200"/>
+              <a:t>Even with higher thread counts, virtual threads show more efficient CPU usage, with a gradual rise to 77.85% at 150 threads. </a:t>
+            </a:r>
+            <a:endParaRPr sz="2200"/>
+          </a:p>
+        </p:txBody>
+      </p:sp>
+    </p:spTree>
+  </p:cSld>
+  <p:clrMapOvr>
+    <a:masterClrMapping/>
+  </p:clrMapOvr>
+</p:sld>
+</file>
+
+<file path=ppt/slides/slide14.xml><?xml version="1.0" encoding="utf-8"?>
+<p:sld xmlns:a="http://schemas.openxmlformats.org/drawingml/2006/main" xmlns:r="http://schemas.openxmlformats.org/officeDocument/2006/relationships" xmlns:mc="http://schemas.openxmlformats.org/markup-compatibility/2006" xmlns:mv="urn:schemas-microsoft-com:mac:vml" xmlns:p="http://schemas.openxmlformats.org/presentationml/2006/main" xmlns:c="http://schemas.openxmlformats.org/drawingml/2006/chart" xmlns:dgm="http://schemas.openxmlformats.org/drawingml/2006/diagram" xmlns:o="urn:schemas-microsoft-com:office:office" xmlns:v="urn:schemas-microsoft-com:vml" xmlns:pvml="urn:schemas-microsoft-com:office:powerpoint" xmlns:com="http://schemas.openxmlformats.org/drawingml/2006/compatibility" xmlns:p14="http://schemas.microsoft.com/office/powerpoint/2010/main" xmlns:p15="http://schemas.microsoft.com/office/powerpoint/2012/main" xmlns:ahyp="http://schemas.microsoft.com/office/drawing/2018/hyperlinkcolor">
+  <p:cSld>
+    <p:spTree>
+      <p:nvGrpSpPr>
+        <p:cNvPr id="154" name="Shape 154"/>
+        <p:cNvGrpSpPr/>
+        <p:nvPr/>
+      </p:nvGrpSpPr>
+      <p:grpSpPr>
+        <a:xfrm>
+          <a:off x="0" y="0"/>
+          <a:ext cx="0" cy="0"/>
+          <a:chOff x="0" y="0"/>
+          <a:chExt cx="0" cy="0"/>
+        </a:xfrm>
+      </p:grpSpPr>
+      <p:pic>
+        <p:nvPicPr>
+          <p:cNvPr id="155" name="Google Shape;155;p26" title="Points scored"/>
           <p:cNvPicPr preferRelativeResize="0"/>
           <p:nvPr/>
         </p:nvPicPr>
@@ -8652,12 +9676,65 @@
 </p:sld>
 </file>
 
-<file path=ppt/slides/slide11.xml><?xml version="1.0" encoding="utf-8"?>
+<file path=ppt/slides/slide15.xml><?xml version="1.0" encoding="utf-8"?>
 <p:sld xmlns:a="http://schemas.openxmlformats.org/drawingml/2006/main" xmlns:r="http://schemas.openxmlformats.org/officeDocument/2006/relationships" xmlns:mc="http://schemas.openxmlformats.org/markup-compatibility/2006" xmlns:mv="urn:schemas-microsoft-com:mac:vml" xmlns:p="http://schemas.openxmlformats.org/presentationml/2006/main" xmlns:c="http://schemas.openxmlformats.org/drawingml/2006/chart" xmlns:dgm="http://schemas.openxmlformats.org/drawingml/2006/diagram" xmlns:o="urn:schemas-microsoft-com:office:office" xmlns:v="urn:schemas-microsoft-com:vml" xmlns:pvml="urn:schemas-microsoft-com:office:powerpoint" xmlns:com="http://schemas.openxmlformats.org/drawingml/2006/compatibility" xmlns:p14="http://schemas.microsoft.com/office/powerpoint/2010/main" xmlns:p15="http://schemas.microsoft.com/office/powerpoint/2012/main" xmlns:ahyp="http://schemas.microsoft.com/office/drawing/2018/hyperlinkcolor">
   <p:cSld>
     <p:spTree>
       <p:nvGrpSpPr>
-        <p:cNvPr id="139" name="Shape 139"/>
+        <p:cNvPr id="159" name="Shape 159"/>
+        <p:cNvGrpSpPr/>
+        <p:nvPr/>
+      </p:nvGrpSpPr>
+      <p:grpSpPr>
+        <a:xfrm>
+          <a:off x="0" y="0"/>
+          <a:ext cx="0" cy="0"/>
+          <a:chOff x="0" y="0"/>
+          <a:chExt cx="0" cy="0"/>
+        </a:xfrm>
+      </p:grpSpPr>
+      <p:pic>
+        <p:nvPicPr>
+          <p:cNvPr id="160" name="Google Shape;160;p27" title="Points scored"/>
+          <p:cNvPicPr preferRelativeResize="0"/>
+          <p:nvPr/>
+        </p:nvPicPr>
+        <p:blipFill>
+          <a:blip r:embed="rId3">
+            <a:alphaModFix/>
+          </a:blip>
+          <a:stretch>
+            <a:fillRect/>
+          </a:stretch>
+        </p:blipFill>
+        <p:spPr>
+          <a:xfrm>
+            <a:off x="412831" y="0"/>
+            <a:ext cx="8318343" cy="5143499"/>
+          </a:xfrm>
+          <a:prstGeom prst="rect">
+            <a:avLst/>
+          </a:prstGeom>
+          <a:noFill/>
+          <a:ln>
+            <a:noFill/>
+          </a:ln>
+        </p:spPr>
+      </p:pic>
+    </p:spTree>
+  </p:cSld>
+  <p:clrMapOvr>
+    <a:masterClrMapping/>
+  </p:clrMapOvr>
+</p:sld>
+</file>
+
+<file path=ppt/slides/slide16.xml><?xml version="1.0" encoding="utf-8"?>
+<p:sld xmlns:a="http://schemas.openxmlformats.org/drawingml/2006/main" xmlns:r="http://schemas.openxmlformats.org/officeDocument/2006/relationships" xmlns:mc="http://schemas.openxmlformats.org/markup-compatibility/2006" xmlns:mv="urn:schemas-microsoft-com:mac:vml" xmlns:p="http://schemas.openxmlformats.org/presentationml/2006/main" xmlns:c="http://schemas.openxmlformats.org/drawingml/2006/chart" xmlns:dgm="http://schemas.openxmlformats.org/drawingml/2006/diagram" xmlns:o="urn:schemas-microsoft-com:office:office" xmlns:v="urn:schemas-microsoft-com:vml" xmlns:pvml="urn:schemas-microsoft-com:office:powerpoint" xmlns:com="http://schemas.openxmlformats.org/drawingml/2006/compatibility" xmlns:p14="http://schemas.microsoft.com/office/powerpoint/2010/main" xmlns:p15="http://schemas.microsoft.com/office/powerpoint/2012/main" xmlns:ahyp="http://schemas.microsoft.com/office/drawing/2018/hyperlinkcolor">
+  <p:cSld>
+    <p:spTree>
+      <p:nvGrpSpPr>
+        <p:cNvPr id="164" name="Shape 164"/>
         <p:cNvGrpSpPr/>
         <p:nvPr/>
       </p:nvGrpSpPr>
@@ -8671,7 +9748,7 @@
       </p:grpSpPr>
       <p:sp>
         <p:nvSpPr>
-          <p:cNvPr id="140" name="Google Shape;140;p23"/>
+          <p:cNvPr id="165" name="Google Shape;165;p28"/>
           <p:cNvSpPr txBox="1"/>
           <p:nvPr>
             <p:ph type="title"/>
@@ -8711,7 +9788,7 @@
       </p:sp>
       <p:sp>
         <p:nvSpPr>
-          <p:cNvPr id="141" name="Google Shape;141;p23"/>
+          <p:cNvPr id="166" name="Google Shape;166;p28"/>
           <p:cNvSpPr txBox="1"/>
           <p:nvPr>
             <p:ph idx="1" type="body"/>
@@ -8801,12 +9878,12 @@
 </p:sld>
 </file>
 
-<file path=ppt/slides/slide12.xml><?xml version="1.0" encoding="utf-8"?>
+<file path=ppt/slides/slide17.xml><?xml version="1.0" encoding="utf-8"?>
 <p:sld xmlns:a="http://schemas.openxmlformats.org/drawingml/2006/main" xmlns:r="http://schemas.openxmlformats.org/officeDocument/2006/relationships" xmlns:mc="http://schemas.openxmlformats.org/markup-compatibility/2006" xmlns:mv="urn:schemas-microsoft-com:mac:vml" xmlns:p="http://schemas.openxmlformats.org/presentationml/2006/main" xmlns:c="http://schemas.openxmlformats.org/drawingml/2006/chart" xmlns:dgm="http://schemas.openxmlformats.org/drawingml/2006/diagram" xmlns:o="urn:schemas-microsoft-com:office:office" xmlns:v="urn:schemas-microsoft-com:vml" xmlns:pvml="urn:schemas-microsoft-com:office:powerpoint" xmlns:com="http://schemas.openxmlformats.org/drawingml/2006/compatibility" xmlns:p14="http://schemas.microsoft.com/office/powerpoint/2010/main" xmlns:p15="http://schemas.microsoft.com/office/powerpoint/2012/main" xmlns:ahyp="http://schemas.microsoft.com/office/drawing/2018/hyperlinkcolor">
   <p:cSld>
     <p:spTree>
       <p:nvGrpSpPr>
-        <p:cNvPr id="145" name="Shape 145"/>
+        <p:cNvPr id="170" name="Shape 170"/>
         <p:cNvGrpSpPr/>
         <p:nvPr/>
       </p:nvGrpSpPr>
@@ -8820,7 +9897,7 @@
       </p:grpSpPr>
       <p:sp>
         <p:nvSpPr>
-          <p:cNvPr id="146" name="Google Shape;146;p24"/>
+          <p:cNvPr id="171" name="Google Shape;171;p29"/>
           <p:cNvSpPr txBox="1"/>
           <p:nvPr>
             <p:ph type="title"/>
@@ -8860,7 +9937,7 @@
       </p:sp>
       <p:sp>
         <p:nvSpPr>
-          <p:cNvPr id="147" name="Google Shape;147;p24"/>
+          <p:cNvPr id="172" name="Google Shape;172;p29"/>
           <p:cNvSpPr txBox="1"/>
           <p:nvPr>
             <p:ph idx="1" type="body"/>
@@ -8877,11 +9954,11 @@
         </p:spPr>
         <p:txBody>
           <a:bodyPr anchorCtr="0" anchor="t" bIns="91425" lIns="91425" spcFirstLastPara="1" rIns="91425" wrap="square" tIns="91425">
-            <a:normAutofit/>
+            <a:normAutofit fontScale="77500" lnSpcReduction="20000"/>
           </a:bodyPr>
           <a:lstStyle/>
           <a:p>
-            <a:pPr indent="-355600" lvl="0" marL="457200" rtl="0" algn="l">
+            <a:pPr indent="-327025" lvl="0" marL="457200" rtl="0" algn="l">
               <a:lnSpc>
                 <a:spcPct val="150000"/>
               </a:lnSpc>
@@ -8891,17 +9968,17 @@
               <a:spcAft>
                 <a:spcPts val="0"/>
               </a:spcAft>
-              <a:buSzPts val="2000"/>
+              <a:buSzPct val="100000"/>
               <a:buChar char="●"/>
             </a:pPr>
             <a:r>
               <a:rPr lang="en" sz="2000"/>
-              <a:t>Use a thread count of 50 for optimal performance in this environment.</a:t>
+              <a:t>Normal Thread</a:t>
             </a:r>
             <a:endParaRPr sz="2000"/>
           </a:p>
           <a:p>
-            <a:pPr indent="-355600" lvl="0" marL="457200" rtl="0" algn="l">
+            <a:pPr indent="-327025" lvl="1" marL="914400" rtl="0" algn="l">
               <a:lnSpc>
                 <a:spcPct val="150000"/>
               </a:lnSpc>
@@ -8911,17 +9988,77 @@
               <a:spcAft>
                 <a:spcPts val="0"/>
               </a:spcAft>
-              <a:buSzPts val="2000"/>
+              <a:buSzPct val="100000"/>
+              <a:buChar char="○"/>
+            </a:pPr>
+            <a:r>
+              <a:rPr lang="en" sz="2000"/>
+              <a:t>Optimal performance is achieved with a thread count of 50. </a:t>
+            </a:r>
+            <a:endParaRPr sz="2000"/>
+          </a:p>
+          <a:p>
+            <a:pPr indent="-327025" lvl="1" marL="914400" rtl="0" algn="l">
+              <a:lnSpc>
+                <a:spcPct val="150000"/>
+              </a:lnSpc>
+              <a:spcBef>
+                <a:spcPts val="0"/>
+              </a:spcBef>
+              <a:spcAft>
+                <a:spcPts val="0"/>
+              </a:spcAft>
+              <a:buSzPct val="100000"/>
+              <a:buChar char="○"/>
+            </a:pPr>
+            <a:r>
+              <a:rPr lang="en" sz="2000"/>
+              <a:t>Beyond 70 threads, latency increases significantly. </a:t>
+            </a:r>
+            <a:endParaRPr sz="2000"/>
+          </a:p>
+          <a:p>
+            <a:pPr indent="-327025" lvl="1" marL="914400" rtl="0" algn="l">
+              <a:lnSpc>
+                <a:spcPct val="150000"/>
+              </a:lnSpc>
+              <a:spcBef>
+                <a:spcPts val="0"/>
+              </a:spcBef>
+              <a:spcAft>
+                <a:spcPts val="0"/>
+              </a:spcAft>
+              <a:buSzPct val="100000"/>
+              <a:buChar char="○"/>
+            </a:pPr>
+            <a:r>
+              <a:rPr lang="en" sz="2000"/>
+              <a:t>To handle higher concurrency, consider horizontally scaling by adding more nodes or upgrading CPU resources if further concurrency is required.</a:t>
+            </a:r>
+            <a:endParaRPr sz="2000"/>
+          </a:p>
+          <a:p>
+            <a:pPr indent="-327025" lvl="0" marL="457200" rtl="0" algn="l">
+              <a:lnSpc>
+                <a:spcPct val="150000"/>
+              </a:lnSpc>
+              <a:spcBef>
+                <a:spcPts val="0"/>
+              </a:spcBef>
+              <a:spcAft>
+                <a:spcPts val="0"/>
+              </a:spcAft>
+              <a:buSzPct val="100000"/>
               <a:buChar char="●"/>
             </a:pPr>
             <a:r>
               <a:rPr lang="en" sz="2000"/>
-              <a:t>Maintain thread count below 70 to prevent excessive latency.</a:t>
+              <a:t>Virtual Thread</a:t>
             </a:r>
             <a:endParaRPr sz="2000"/>
           </a:p>
           <a:p>
-            <a:pPr indent="-355600" lvl="0" marL="457200" rtl="0" algn="l">
+            <a:pPr indent="-327025" lvl="1" marL="914400" rtl="0" algn="l">
               <a:lnSpc>
                 <a:spcPct val="150000"/>
               </a:lnSpc>
@@ -8931,17 +10068,17 @@
               <a:spcAft>
                 <a:spcPts val="0"/>
               </a:spcAft>
-              <a:buSzPts val="2000"/>
-              <a:buChar char="●"/>
+              <a:buSzPct val="100000"/>
+              <a:buChar char="○"/>
             </a:pPr>
             <a:r>
               <a:rPr lang="en" sz="2000"/>
-              <a:t>Horizontally scale by adding more nodes to accommodate higher concurrency needs.</a:t>
+              <a:t>the optimal thread count is 150, allowing the system to efficiently handle a large number of document operations while maintaining CPU usage at 77%. </a:t>
             </a:r>
             <a:endParaRPr sz="2000"/>
           </a:p>
           <a:p>
-            <a:pPr indent="-355600" lvl="0" marL="457200" rtl="0" algn="l">
+            <a:pPr indent="-327025" lvl="1" marL="914400" rtl="0" algn="l">
               <a:lnSpc>
                 <a:spcPct val="150000"/>
               </a:lnSpc>
@@ -8951,12 +10088,12 @@
               <a:spcAft>
                 <a:spcPts val="0"/>
               </a:spcAft>
-              <a:buSzPts val="2000"/>
-              <a:buChar char="●"/>
+              <a:buSzPct val="100000"/>
+              <a:buChar char="○"/>
             </a:pPr>
             <a:r>
               <a:rPr lang="en" sz="2000"/>
-              <a:t>Upgrade CPU resources if further concurrency beyond the current limits is required.</a:t>
+              <a:t>Virtual threads provide better scalability, with lower latencies and more efficient CPU usage, making them ideal for high-concurrency environments.</a:t>
             </a:r>
             <a:endParaRPr sz="2000"/>
           </a:p>
@@ -9040,9 +10177,62 @@
           <a:chExt cx="0" cy="0"/>
         </a:xfrm>
       </p:grpSpPr>
+      <p:pic>
+        <p:nvPicPr>
+          <p:cNvPr id="96" name="Google Shape;96;p15" title="Points scored"/>
+          <p:cNvPicPr preferRelativeResize="0"/>
+          <p:nvPr/>
+        </p:nvPicPr>
+        <p:blipFill>
+          <a:blip r:embed="rId3">
+            <a:alphaModFix/>
+          </a:blip>
+          <a:stretch>
+            <a:fillRect/>
+          </a:stretch>
+        </p:blipFill>
+        <p:spPr>
+          <a:xfrm>
+            <a:off x="412831" y="0"/>
+            <a:ext cx="8318343" cy="5143499"/>
+          </a:xfrm>
+          <a:prstGeom prst="rect">
+            <a:avLst/>
+          </a:prstGeom>
+          <a:noFill/>
+          <a:ln>
+            <a:noFill/>
+          </a:ln>
+        </p:spPr>
+      </p:pic>
+    </p:spTree>
+  </p:cSld>
+  <p:clrMapOvr>
+    <a:masterClrMapping/>
+  </p:clrMapOvr>
+</p:sld>
+</file>
+
+<file path=ppt/slides/slide4.xml><?xml version="1.0" encoding="utf-8"?>
+<p:sld xmlns:a="http://schemas.openxmlformats.org/drawingml/2006/main" xmlns:r="http://schemas.openxmlformats.org/officeDocument/2006/relationships" xmlns:mc="http://schemas.openxmlformats.org/markup-compatibility/2006" xmlns:mv="urn:schemas-microsoft-com:mac:vml" xmlns:p="http://schemas.openxmlformats.org/presentationml/2006/main" xmlns:c="http://schemas.openxmlformats.org/drawingml/2006/chart" xmlns:dgm="http://schemas.openxmlformats.org/drawingml/2006/diagram" xmlns:o="urn:schemas-microsoft-com:office:office" xmlns:v="urn:schemas-microsoft-com:vml" xmlns:pvml="urn:schemas-microsoft-com:office:powerpoint" xmlns:com="http://schemas.openxmlformats.org/drawingml/2006/compatibility" xmlns:p14="http://schemas.microsoft.com/office/powerpoint/2010/main" xmlns:p15="http://schemas.microsoft.com/office/powerpoint/2012/main" xmlns:ahyp="http://schemas.microsoft.com/office/drawing/2018/hyperlinkcolor">
+  <p:cSld>
+    <p:spTree>
+      <p:nvGrpSpPr>
+        <p:cNvPr id="100" name="Shape 100"/>
+        <p:cNvGrpSpPr/>
+        <p:nvPr/>
+      </p:nvGrpSpPr>
+      <p:grpSpPr>
+        <a:xfrm>
+          <a:off x="0" y="0"/>
+          <a:ext cx="0" cy="0"/>
+          <a:chOff x="0" y="0"/>
+          <a:chExt cx="0" cy="0"/>
+        </a:xfrm>
+      </p:grpSpPr>
       <p:sp>
         <p:nvSpPr>
-          <p:cNvPr id="96" name="Google Shape;96;p15"/>
+          <p:cNvPr id="101" name="Google Shape;101;p16"/>
           <p:cNvSpPr txBox="1"/>
           <p:nvPr>
             <p:ph type="title"/>
@@ -9082,7 +10272,7 @@
       </p:sp>
       <p:sp>
         <p:nvSpPr>
-          <p:cNvPr id="97" name="Google Shape;97;p15"/>
+          <p:cNvPr id="102" name="Google Shape;102;p16"/>
           <p:cNvSpPr txBox="1"/>
           <p:nvPr>
             <p:ph idx="1" type="body"/>
@@ -9099,11 +10289,11 @@
         </p:spPr>
         <p:txBody>
           <a:bodyPr anchorCtr="0" anchor="t" bIns="91425" lIns="91425" spcFirstLastPara="1" rIns="91425" wrap="square" tIns="91425">
-            <a:normAutofit/>
+            <a:normAutofit fontScale="70000"/>
           </a:bodyPr>
           <a:lstStyle/>
           <a:p>
-            <a:pPr indent="-368300" lvl="0" marL="457200" rtl="0" algn="l">
+            <a:pPr indent="-326390" lvl="0" marL="457200" rtl="0" algn="l">
               <a:lnSpc>
                 <a:spcPct val="150000"/>
               </a:lnSpc>
@@ -9113,17 +10303,17 @@
               <a:spcAft>
                 <a:spcPts val="0"/>
               </a:spcAft>
-              <a:buSzPts val="2200"/>
+              <a:buSzPct val="100000"/>
               <a:buChar char="●"/>
             </a:pPr>
             <a:r>
               <a:rPr lang="en" sz="2200"/>
-              <a:t>Total operations increase with thread count up to 50 threads.</a:t>
+              <a:t>Normal Threads</a:t>
             </a:r>
             <a:endParaRPr sz="2200"/>
           </a:p>
           <a:p>
-            <a:pPr indent="-368300" lvl="0" marL="457200" rtl="0" algn="l">
+            <a:pPr indent="-326390" lvl="1" marL="914400" rtl="0" algn="l">
               <a:lnSpc>
                 <a:spcPct val="150000"/>
               </a:lnSpc>
@@ -9133,17 +10323,57 @@
               <a:spcAft>
                 <a:spcPts val="0"/>
               </a:spcAft>
-              <a:buSzPts val="2200"/>
+              <a:buSzPct val="100000"/>
+              <a:buChar char="○"/>
+            </a:pPr>
+            <a:r>
+              <a:rPr lang="en" sz="2200"/>
+              <a:t>Performance shows an upward trend up to 50 threads, followed by a decline.</a:t>
+            </a:r>
+            <a:endParaRPr sz="2200"/>
+          </a:p>
+          <a:p>
+            <a:pPr indent="-326390" lvl="1" marL="914400" rtl="0" algn="l">
+              <a:lnSpc>
+                <a:spcPct val="150000"/>
+              </a:lnSpc>
+              <a:spcBef>
+                <a:spcPts val="0"/>
+              </a:spcBef>
+              <a:spcAft>
+                <a:spcPts val="0"/>
+              </a:spcAft>
+              <a:buSzPct val="100000"/>
+              <a:buChar char="○"/>
+            </a:pPr>
+            <a:r>
+              <a:rPr lang="en" sz="2200"/>
+              <a:t>Peak performance is reached at 15.9 operations.</a:t>
+            </a:r>
+            <a:endParaRPr sz="2200"/>
+          </a:p>
+          <a:p>
+            <a:pPr indent="-326390" lvl="0" marL="457200" rtl="0" algn="l">
+              <a:lnSpc>
+                <a:spcPct val="150000"/>
+              </a:lnSpc>
+              <a:spcBef>
+                <a:spcPts val="0"/>
+              </a:spcBef>
+              <a:spcAft>
+                <a:spcPts val="0"/>
+              </a:spcAft>
+              <a:buSzPct val="100000"/>
               <a:buChar char="●"/>
             </a:pPr>
             <a:r>
               <a:rPr lang="en" sz="2200"/>
-              <a:t>Peak total operations observed at 50 threads.</a:t>
+              <a:t>Virtual Threads</a:t>
             </a:r>
             <a:endParaRPr sz="2200"/>
           </a:p>
           <a:p>
-            <a:pPr indent="-368300" lvl="0" marL="457200" rtl="0" algn="l">
+            <a:pPr indent="-326390" lvl="1" marL="914400" rtl="0" algn="l">
               <a:lnSpc>
                 <a:spcPct val="150000"/>
               </a:lnSpc>
@@ -9153,90 +10383,57 @@
               <a:spcAft>
                 <a:spcPts val="0"/>
               </a:spcAft>
-              <a:buSzPts val="2200"/>
+              <a:buSzPct val="100000"/>
+              <a:buChar char="○"/>
+            </a:pPr>
+            <a:r>
+              <a:rPr lang="en" sz="2200"/>
+              <a:t>Performance improves up to 150 threads, with a decline starting around 200 threads.</a:t>
+            </a:r>
+            <a:endParaRPr sz="2200"/>
+          </a:p>
+          <a:p>
+            <a:pPr indent="-326390" lvl="1" marL="914400" rtl="0" algn="l">
+              <a:lnSpc>
+                <a:spcPct val="150000"/>
+              </a:lnSpc>
+              <a:spcBef>
+                <a:spcPts val="0"/>
+              </a:spcBef>
+              <a:spcAft>
+                <a:spcPts val="0"/>
+              </a:spcAft>
+              <a:buSzPct val="100000"/>
+              <a:buChar char="○"/>
+            </a:pPr>
+            <a:r>
+              <a:rPr lang="en" sz="2200"/>
+              <a:t>Virtual threads reach a peak performance of 19.5 operations.</a:t>
+            </a:r>
+            <a:endParaRPr sz="2200"/>
+          </a:p>
+          <a:p>
+            <a:pPr indent="-326390" lvl="0" marL="457200" rtl="0" algn="l">
+              <a:lnSpc>
+                <a:spcPct val="150000"/>
+              </a:lnSpc>
+              <a:spcBef>
+                <a:spcPts val="0"/>
+              </a:spcBef>
+              <a:spcAft>
+                <a:spcPts val="0"/>
+              </a:spcAft>
+              <a:buSzPct val="100000"/>
               <a:buChar char="●"/>
             </a:pPr>
             <a:r>
               <a:rPr lang="en" sz="2200"/>
-              <a:t>Beyond 50 threads, total operations begin to decline.</a:t>
-            </a:r>
-            <a:endParaRPr sz="2200"/>
-          </a:p>
-          <a:p>
-            <a:pPr indent="-368300" lvl="0" marL="457200" rtl="0" algn="l">
-              <a:lnSpc>
-                <a:spcPct val="150000"/>
-              </a:lnSpc>
-              <a:spcBef>
-                <a:spcPts val="0"/>
-              </a:spcBef>
-              <a:spcAft>
-                <a:spcPts val="0"/>
-              </a:spcAft>
-              <a:buSzPts val="2200"/>
-              <a:buChar char="●"/>
-            </a:pPr>
-            <a:r>
-              <a:rPr lang="en" sz="2200"/>
-              <a:t>Indicates a point of diminishing returns due to resource contention.</a:t>
+              <a:t>The peak for virtual threads is significantly higher (19.5 operations) compared to normal threads (15.9 operations), due to their ability to handle more operations efficiently before hitting a point of diminishing returns.</a:t>
             </a:r>
             <a:endParaRPr sz="2200"/>
           </a:p>
         </p:txBody>
       </p:sp>
-    </p:spTree>
-  </p:cSld>
-  <p:clrMapOvr>
-    <a:masterClrMapping/>
-  </p:clrMapOvr>
-</p:sld>
-</file>
-
-<file path=ppt/slides/slide4.xml><?xml version="1.0" encoding="utf-8"?>
-<p:sld xmlns:a="http://schemas.openxmlformats.org/drawingml/2006/main" xmlns:r="http://schemas.openxmlformats.org/officeDocument/2006/relationships" xmlns:mc="http://schemas.openxmlformats.org/markup-compatibility/2006" xmlns:mv="urn:schemas-microsoft-com:mac:vml" xmlns:p="http://schemas.openxmlformats.org/presentationml/2006/main" xmlns:c="http://schemas.openxmlformats.org/drawingml/2006/chart" xmlns:dgm="http://schemas.openxmlformats.org/drawingml/2006/diagram" xmlns:o="urn:schemas-microsoft-com:office:office" xmlns:v="urn:schemas-microsoft-com:vml" xmlns:pvml="urn:schemas-microsoft-com:office:powerpoint" xmlns:com="http://schemas.openxmlformats.org/drawingml/2006/compatibility" xmlns:p14="http://schemas.microsoft.com/office/powerpoint/2010/main" xmlns:p15="http://schemas.microsoft.com/office/powerpoint/2012/main" xmlns:ahyp="http://schemas.microsoft.com/office/drawing/2018/hyperlinkcolor">
-  <p:cSld>
-    <p:spTree>
-      <p:nvGrpSpPr>
-        <p:cNvPr id="101" name="Shape 101"/>
-        <p:cNvGrpSpPr/>
-        <p:nvPr/>
-      </p:nvGrpSpPr>
-      <p:grpSpPr>
-        <a:xfrm>
-          <a:off x="0" y="0"/>
-          <a:ext cx="0" cy="0"/>
-          <a:chOff x="0" y="0"/>
-          <a:chExt cx="0" cy="0"/>
-        </a:xfrm>
-      </p:grpSpPr>
-      <p:pic>
-        <p:nvPicPr>
-          <p:cNvPr id="102" name="Google Shape;102;p16" title="Points scored"/>
-          <p:cNvPicPr preferRelativeResize="0"/>
-          <p:nvPr/>
-        </p:nvPicPr>
-        <p:blipFill>
-          <a:blip r:embed="rId3">
-            <a:alphaModFix/>
-          </a:blip>
-          <a:stretch>
-            <a:fillRect/>
-          </a:stretch>
-        </p:blipFill>
-        <p:spPr>
-          <a:xfrm>
-            <a:off x="152400" y="152400"/>
-            <a:ext cx="7825389" cy="4395260"/>
-          </a:xfrm>
-          <a:prstGeom prst="rect">
-            <a:avLst/>
-          </a:prstGeom>
-          <a:noFill/>
-          <a:ln>
-            <a:noFill/>
-          </a:ln>
-        </p:spPr>
-      </p:pic>
     </p:spTree>
   </p:cSld>
   <p:clrMapOvr>
@@ -9262,9 +10459,115 @@
           <a:chExt cx="0" cy="0"/>
         </a:xfrm>
       </p:grpSpPr>
+      <p:pic>
+        <p:nvPicPr>
+          <p:cNvPr id="107" name="Google Shape;107;p17" title="Points scored"/>
+          <p:cNvPicPr preferRelativeResize="0"/>
+          <p:nvPr/>
+        </p:nvPicPr>
+        <p:blipFill>
+          <a:blip r:embed="rId3">
+            <a:alphaModFix/>
+          </a:blip>
+          <a:stretch>
+            <a:fillRect/>
+          </a:stretch>
+        </p:blipFill>
+        <p:spPr>
+          <a:xfrm>
+            <a:off x="0" y="137161"/>
+            <a:ext cx="9144000" cy="4869178"/>
+          </a:xfrm>
+          <a:prstGeom prst="rect">
+            <a:avLst/>
+          </a:prstGeom>
+          <a:noFill/>
+          <a:ln>
+            <a:noFill/>
+          </a:ln>
+        </p:spPr>
+      </p:pic>
+    </p:spTree>
+  </p:cSld>
+  <p:clrMapOvr>
+    <a:masterClrMapping/>
+  </p:clrMapOvr>
+</p:sld>
+</file>
+
+<file path=ppt/slides/slide6.xml><?xml version="1.0" encoding="utf-8"?>
+<p:sld xmlns:a="http://schemas.openxmlformats.org/drawingml/2006/main" xmlns:r="http://schemas.openxmlformats.org/officeDocument/2006/relationships" xmlns:mc="http://schemas.openxmlformats.org/markup-compatibility/2006" xmlns:mv="urn:schemas-microsoft-com:mac:vml" xmlns:p="http://schemas.openxmlformats.org/presentationml/2006/main" xmlns:c="http://schemas.openxmlformats.org/drawingml/2006/chart" xmlns:dgm="http://schemas.openxmlformats.org/drawingml/2006/diagram" xmlns:o="urn:schemas-microsoft-com:office:office" xmlns:v="urn:schemas-microsoft-com:vml" xmlns:pvml="urn:schemas-microsoft-com:office:powerpoint" xmlns:com="http://schemas.openxmlformats.org/drawingml/2006/compatibility" xmlns:p14="http://schemas.microsoft.com/office/powerpoint/2010/main" xmlns:p15="http://schemas.microsoft.com/office/powerpoint/2012/main" xmlns:ahyp="http://schemas.microsoft.com/office/drawing/2018/hyperlinkcolor">
+  <p:cSld>
+    <p:spTree>
+      <p:nvGrpSpPr>
+        <p:cNvPr id="111" name="Shape 111"/>
+        <p:cNvGrpSpPr/>
+        <p:nvPr/>
+      </p:nvGrpSpPr>
+      <p:grpSpPr>
+        <a:xfrm>
+          <a:off x="0" y="0"/>
+          <a:ext cx="0" cy="0"/>
+          <a:chOff x="0" y="0"/>
+          <a:chExt cx="0" cy="0"/>
+        </a:xfrm>
+      </p:grpSpPr>
+      <p:pic>
+        <p:nvPicPr>
+          <p:cNvPr id="112" name="Google Shape;112;p18" title="Points scored"/>
+          <p:cNvPicPr preferRelativeResize="0"/>
+          <p:nvPr/>
+        </p:nvPicPr>
+        <p:blipFill>
+          <a:blip r:embed="rId3">
+            <a:alphaModFix/>
+          </a:blip>
+          <a:stretch>
+            <a:fillRect/>
+          </a:stretch>
+        </p:blipFill>
+        <p:spPr>
+          <a:xfrm>
+            <a:off x="-6800" y="0"/>
+            <a:ext cx="9144000" cy="5135861"/>
+          </a:xfrm>
+          <a:prstGeom prst="rect">
+            <a:avLst/>
+          </a:prstGeom>
+          <a:noFill/>
+          <a:ln>
+            <a:noFill/>
+          </a:ln>
+        </p:spPr>
+      </p:pic>
+    </p:spTree>
+  </p:cSld>
+  <p:clrMapOvr>
+    <a:masterClrMapping/>
+  </p:clrMapOvr>
+</p:sld>
+</file>
+
+<file path=ppt/slides/slide7.xml><?xml version="1.0" encoding="utf-8"?>
+<p:sld xmlns:a="http://schemas.openxmlformats.org/drawingml/2006/main" xmlns:r="http://schemas.openxmlformats.org/officeDocument/2006/relationships" xmlns:mc="http://schemas.openxmlformats.org/markup-compatibility/2006" xmlns:mv="urn:schemas-microsoft-com:mac:vml" xmlns:p="http://schemas.openxmlformats.org/presentationml/2006/main" xmlns:c="http://schemas.openxmlformats.org/drawingml/2006/chart" xmlns:dgm="http://schemas.openxmlformats.org/drawingml/2006/diagram" xmlns:o="urn:schemas-microsoft-com:office:office" xmlns:v="urn:schemas-microsoft-com:vml" xmlns:pvml="urn:schemas-microsoft-com:office:powerpoint" xmlns:com="http://schemas.openxmlformats.org/drawingml/2006/compatibility" xmlns:p14="http://schemas.microsoft.com/office/powerpoint/2010/main" xmlns:p15="http://schemas.microsoft.com/office/powerpoint/2012/main" xmlns:ahyp="http://schemas.microsoft.com/office/drawing/2018/hyperlinkcolor">
+  <p:cSld>
+    <p:spTree>
+      <p:nvGrpSpPr>
+        <p:cNvPr id="116" name="Shape 116"/>
+        <p:cNvGrpSpPr/>
+        <p:nvPr/>
+      </p:nvGrpSpPr>
+      <p:grpSpPr>
+        <a:xfrm>
+          <a:off x="0" y="0"/>
+          <a:ext cx="0" cy="0"/>
+          <a:chOff x="0" y="0"/>
+          <a:chExt cx="0" cy="0"/>
+        </a:xfrm>
+      </p:grpSpPr>
       <p:sp>
         <p:nvSpPr>
-          <p:cNvPr id="107" name="Google Shape;107;p17"/>
+          <p:cNvPr id="117" name="Google Shape;117;p19"/>
           <p:cNvSpPr txBox="1"/>
           <p:nvPr>
             <p:ph type="title"/>
@@ -9304,7 +10607,7 @@
       </p:sp>
       <p:sp>
         <p:nvSpPr>
-          <p:cNvPr id="108" name="Google Shape;108;p17"/>
+          <p:cNvPr id="118" name="Google Shape;118;p19"/>
           <p:cNvSpPr txBox="1"/>
           <p:nvPr>
             <p:ph idx="1" type="body"/>
@@ -9321,11 +10624,11 @@
         </p:spPr>
         <p:txBody>
           <a:bodyPr anchorCtr="0" anchor="t" bIns="91425" lIns="91425" spcFirstLastPara="1" rIns="91425" wrap="square" tIns="91425">
-            <a:normAutofit/>
+            <a:normAutofit fontScale="85000" lnSpcReduction="10000"/>
           </a:bodyPr>
           <a:lstStyle/>
           <a:p>
-            <a:pPr indent="-368300" lvl="0" marL="457200" rtl="0" algn="l">
+            <a:pPr indent="-347345" lvl="0" marL="457200" rtl="0" algn="l">
               <a:lnSpc>
                 <a:spcPct val="150000"/>
               </a:lnSpc>
@@ -9335,17 +10638,17 @@
               <a:spcAft>
                 <a:spcPts val="0"/>
               </a:spcAft>
-              <a:buSzPts val="2200"/>
+              <a:buSzPct val="100000"/>
               <a:buChar char="●"/>
             </a:pPr>
             <a:r>
               <a:rPr lang="en" sz="2200"/>
-              <a:t>Throughput peaks at 70 threads with 104,861.9 ops/sec.</a:t>
+              <a:t>Virtual Threads</a:t>
             </a:r>
             <a:endParaRPr sz="2200"/>
           </a:p>
           <a:p>
-            <a:pPr indent="-368300" lvl="0" marL="457200" rtl="0" algn="l">
+            <a:pPr indent="-347344" lvl="1" marL="914400" rtl="0" algn="l">
               <a:lnSpc>
                 <a:spcPct val="150000"/>
               </a:lnSpc>
@@ -9355,17 +10658,37 @@
               <a:spcAft>
                 <a:spcPts val="0"/>
               </a:spcAft>
-              <a:buSzPts val="2200"/>
+              <a:buSzPct val="100000"/>
+              <a:buChar char="○"/>
+            </a:pPr>
+            <a:r>
+              <a:rPr lang="en" sz="2200"/>
+              <a:t>Throughput peaks at 150 threads, reaching 128,000 operations per second. Decline in performance past this point.</a:t>
+            </a:r>
+            <a:endParaRPr sz="2200"/>
+          </a:p>
+          <a:p>
+            <a:pPr indent="-347345" lvl="0" marL="457200" rtl="0" algn="l">
+              <a:lnSpc>
+                <a:spcPct val="150000"/>
+              </a:lnSpc>
+              <a:spcBef>
+                <a:spcPts val="0"/>
+              </a:spcBef>
+              <a:spcAft>
+                <a:spcPts val="0"/>
+              </a:spcAft>
+              <a:buSzPct val="100000"/>
               <a:buChar char="●"/>
             </a:pPr>
             <a:r>
               <a:rPr lang="en" sz="2200"/>
-              <a:t>Significant drop in throughput at 80 threads.</a:t>
+              <a:t>Normal Threads</a:t>
             </a:r>
             <a:endParaRPr sz="2200"/>
           </a:p>
           <a:p>
-            <a:pPr indent="-368300" lvl="0" marL="457200" rtl="0" algn="l">
+            <a:pPr indent="-347344" lvl="1" marL="914400" rtl="0" algn="l">
               <a:lnSpc>
                 <a:spcPct val="150000"/>
               </a:lnSpc>
@@ -9375,32 +10698,32 @@
               <a:spcAft>
                 <a:spcPts val="0"/>
               </a:spcAft>
-              <a:buSzPts val="2200"/>
+              <a:buSzPct val="100000"/>
+              <a:buChar char="○"/>
+            </a:pPr>
+            <a:r>
+              <a:rPr lang="en" sz="2200"/>
+              <a:t>Throughput peaks at 50 threads, reaching 85,000 operations per second. Decline in performance past this point.</a:t>
+            </a:r>
+            <a:endParaRPr sz="2200"/>
+          </a:p>
+          <a:p>
+            <a:pPr indent="-347345" lvl="0" marL="457200" rtl="0" algn="l">
+              <a:lnSpc>
+                <a:spcPct val="150000"/>
+              </a:lnSpc>
+              <a:spcBef>
+                <a:spcPts val="0"/>
+              </a:spcBef>
+              <a:spcAft>
+                <a:spcPts val="0"/>
+              </a:spcAft>
+              <a:buSzPct val="100000"/>
               <a:buChar char="●"/>
             </a:pPr>
             <a:r>
               <a:rPr lang="en" sz="2200"/>
-              <a:t>Slight recovery at 100 threads but does not reach peak levels.</a:t>
-            </a:r>
-            <a:endParaRPr sz="2200"/>
-          </a:p>
-          <a:p>
-            <a:pPr indent="-368300" lvl="0" marL="457200" rtl="0" algn="l">
-              <a:lnSpc>
-                <a:spcPct val="150000"/>
-              </a:lnSpc>
-              <a:spcBef>
-                <a:spcPts val="0"/>
-              </a:spcBef>
-              <a:spcAft>
-                <a:spcPts val="0"/>
-              </a:spcAft>
-              <a:buSzPts val="2200"/>
-              <a:buChar char="●"/>
-            </a:pPr>
-            <a:r>
-              <a:rPr lang="en" sz="2200"/>
-              <a:t>Suggests optimal throughput is achieved between 50 and 70 threads.</a:t>
+              <a:t>These results align with the read/write operations bar graph, showing a clear advantage for virtual threads in handling higher loads.</a:t>
             </a:r>
             <a:endParaRPr sz="2200"/>
           </a:p>
@@ -9414,12 +10737,12 @@
 </p:sld>
 </file>
 
-<file path=ppt/slides/slide6.xml><?xml version="1.0" encoding="utf-8"?>
+<file path=ppt/slides/slide8.xml><?xml version="1.0" encoding="utf-8"?>
 <p:sld xmlns:a="http://schemas.openxmlformats.org/drawingml/2006/main" xmlns:r="http://schemas.openxmlformats.org/officeDocument/2006/relationships" xmlns:mc="http://schemas.openxmlformats.org/markup-compatibility/2006" xmlns:mv="urn:schemas-microsoft-com:mac:vml" xmlns:p="http://schemas.openxmlformats.org/presentationml/2006/main" xmlns:c="http://schemas.openxmlformats.org/drawingml/2006/chart" xmlns:dgm="http://schemas.openxmlformats.org/drawingml/2006/diagram" xmlns:o="urn:schemas-microsoft-com:office:office" xmlns:v="urn:schemas-microsoft-com:vml" xmlns:pvml="urn:schemas-microsoft-com:office:powerpoint" xmlns:com="http://schemas.openxmlformats.org/drawingml/2006/compatibility" xmlns:p14="http://schemas.microsoft.com/office/powerpoint/2010/main" xmlns:p15="http://schemas.microsoft.com/office/powerpoint/2012/main" xmlns:ahyp="http://schemas.microsoft.com/office/drawing/2018/hyperlinkcolor">
   <p:cSld>
     <p:spTree>
       <p:nvGrpSpPr>
-        <p:cNvPr id="112" name="Shape 112"/>
+        <p:cNvPr id="122" name="Shape 122"/>
         <p:cNvGrpSpPr/>
         <p:nvPr/>
       </p:nvGrpSpPr>
@@ -9433,7 +10756,7 @@
       </p:grpSpPr>
       <p:pic>
         <p:nvPicPr>
-          <p:cNvPr id="113" name="Google Shape;113;p18" title="Points scored"/>
+          <p:cNvPr id="123" name="Google Shape;123;p20" title="Points scored"/>
           <p:cNvPicPr preferRelativeResize="0"/>
           <p:nvPr/>
         </p:nvPicPr>
@@ -9467,181 +10790,12 @@
 </p:sld>
 </file>
 
-<file path=ppt/slides/slide7.xml><?xml version="1.0" encoding="utf-8"?>
+<file path=ppt/slides/slide9.xml><?xml version="1.0" encoding="utf-8"?>
 <p:sld xmlns:a="http://schemas.openxmlformats.org/drawingml/2006/main" xmlns:r="http://schemas.openxmlformats.org/officeDocument/2006/relationships" xmlns:mc="http://schemas.openxmlformats.org/markup-compatibility/2006" xmlns:mv="urn:schemas-microsoft-com:mac:vml" xmlns:p="http://schemas.openxmlformats.org/presentationml/2006/main" xmlns:c="http://schemas.openxmlformats.org/drawingml/2006/chart" xmlns:dgm="http://schemas.openxmlformats.org/drawingml/2006/diagram" xmlns:o="urn:schemas-microsoft-com:office:office" xmlns:v="urn:schemas-microsoft-com:vml" xmlns:pvml="urn:schemas-microsoft-com:office:powerpoint" xmlns:com="http://schemas.openxmlformats.org/drawingml/2006/compatibility" xmlns:p14="http://schemas.microsoft.com/office/powerpoint/2010/main" xmlns:p15="http://schemas.microsoft.com/office/powerpoint/2012/main" xmlns:ahyp="http://schemas.microsoft.com/office/drawing/2018/hyperlinkcolor">
   <p:cSld>
     <p:spTree>
       <p:nvGrpSpPr>
-        <p:cNvPr id="117" name="Shape 117"/>
-        <p:cNvGrpSpPr/>
-        <p:nvPr/>
-      </p:nvGrpSpPr>
-      <p:grpSpPr>
-        <a:xfrm>
-          <a:off x="0" y="0"/>
-          <a:ext cx="0" cy="0"/>
-          <a:chOff x="0" y="0"/>
-          <a:chExt cx="0" cy="0"/>
-        </a:xfrm>
-      </p:grpSpPr>
-      <p:sp>
-        <p:nvSpPr>
-          <p:cNvPr id="118" name="Google Shape;118;p19"/>
-          <p:cNvSpPr txBox="1"/>
-          <p:nvPr>
-            <p:ph type="title"/>
-          </p:nvPr>
-        </p:nvSpPr>
-        <p:spPr>
-          <a:xfrm>
-            <a:off x="311700" y="410000"/>
-            <a:ext cx="8520600" cy="607800"/>
-          </a:xfrm>
-          <a:prstGeom prst="rect">
-            <a:avLst/>
-          </a:prstGeom>
-        </p:spPr>
-        <p:txBody>
-          <a:bodyPr anchorCtr="0" anchor="t" bIns="91425" lIns="91425" spcFirstLastPara="1" rIns="91425" wrap="square" tIns="91425">
-            <a:normAutofit fontScale="90000"/>
-          </a:bodyPr>
-          <a:lstStyle/>
-          <a:p>
-            <a:pPr indent="0" lvl="0" marL="0" rtl="0" algn="l">
-              <a:spcBef>
-                <a:spcPts val="0"/>
-              </a:spcBef>
-              <a:spcAft>
-                <a:spcPts val="0"/>
-              </a:spcAft>
-              <a:buNone/>
-            </a:pPr>
-            <a:r>
-              <a:rPr lang="en"/>
-              <a:t>Average Write and Read Latency</a:t>
-            </a:r>
-            <a:endParaRPr/>
-          </a:p>
-        </p:txBody>
-      </p:sp>
-      <p:sp>
-        <p:nvSpPr>
-          <p:cNvPr id="119" name="Google Shape;119;p19"/>
-          <p:cNvSpPr txBox="1"/>
-          <p:nvPr>
-            <p:ph idx="1" type="body"/>
-          </p:nvPr>
-        </p:nvSpPr>
-        <p:spPr>
-          <a:xfrm>
-            <a:off x="311700" y="1229875"/>
-            <a:ext cx="8520600" cy="3339000"/>
-          </a:xfrm>
-          <a:prstGeom prst="rect">
-            <a:avLst/>
-          </a:prstGeom>
-        </p:spPr>
-        <p:txBody>
-          <a:bodyPr anchorCtr="0" anchor="t" bIns="91425" lIns="91425" spcFirstLastPara="1" rIns="91425" wrap="square" tIns="91425">
-            <a:normAutofit/>
-          </a:bodyPr>
-          <a:lstStyle/>
-          <a:p>
-            <a:pPr indent="-368300" lvl="0" marL="457200" rtl="0" algn="l">
-              <a:lnSpc>
-                <a:spcPct val="150000"/>
-              </a:lnSpc>
-              <a:spcBef>
-                <a:spcPts val="1200"/>
-              </a:spcBef>
-              <a:spcAft>
-                <a:spcPts val="0"/>
-              </a:spcAft>
-              <a:buSzPts val="2200"/>
-              <a:buChar char="●"/>
-            </a:pPr>
-            <a:r>
-              <a:rPr lang="en" sz="2200"/>
-              <a:t>Latency increases with the number of threads.</a:t>
-            </a:r>
-            <a:endParaRPr sz="2200"/>
-          </a:p>
-          <a:p>
-            <a:pPr indent="-368300" lvl="0" marL="457200" rtl="0" algn="l">
-              <a:lnSpc>
-                <a:spcPct val="150000"/>
-              </a:lnSpc>
-              <a:spcBef>
-                <a:spcPts val="0"/>
-              </a:spcBef>
-              <a:spcAft>
-                <a:spcPts val="0"/>
-              </a:spcAft>
-              <a:buSzPts val="2200"/>
-              <a:buChar char="●"/>
-            </a:pPr>
-            <a:r>
-              <a:rPr lang="en" sz="2200"/>
-              <a:t>Significant latency spike beyond 50 threads.</a:t>
-            </a:r>
-            <a:endParaRPr sz="2200"/>
-          </a:p>
-          <a:p>
-            <a:pPr indent="-368300" lvl="0" marL="457200" rtl="0" algn="l">
-              <a:lnSpc>
-                <a:spcPct val="150000"/>
-              </a:lnSpc>
-              <a:spcBef>
-                <a:spcPts val="0"/>
-              </a:spcBef>
-              <a:spcAft>
-                <a:spcPts val="0"/>
-              </a:spcAft>
-              <a:buSzPts val="2200"/>
-              <a:buChar char="●"/>
-            </a:pPr>
-            <a:r>
-              <a:rPr lang="en" sz="2200"/>
-              <a:t>High latency at 80 and 100 threads correlates with decreased throughput.</a:t>
-            </a:r>
-            <a:endParaRPr sz="2200"/>
-          </a:p>
-          <a:p>
-            <a:pPr indent="-368300" lvl="0" marL="457200" rtl="0" algn="l">
-              <a:lnSpc>
-                <a:spcPct val="150000"/>
-              </a:lnSpc>
-              <a:spcBef>
-                <a:spcPts val="0"/>
-              </a:spcBef>
-              <a:spcAft>
-                <a:spcPts val="0"/>
-              </a:spcAft>
-              <a:buSzPts val="2200"/>
-              <a:buChar char="●"/>
-            </a:pPr>
-            <a:r>
-              <a:rPr lang="en" sz="2200"/>
-              <a:t>Indicates that the system is becoming overloaded.</a:t>
-            </a:r>
-            <a:endParaRPr sz="2200"/>
-          </a:p>
-        </p:txBody>
-      </p:sp>
-    </p:spTree>
-  </p:cSld>
-  <p:clrMapOvr>
-    <a:masterClrMapping/>
-  </p:clrMapOvr>
-</p:sld>
-</file>
-
-<file path=ppt/slides/slide8.xml><?xml version="1.0" encoding="utf-8"?>
-<p:sld xmlns:a="http://schemas.openxmlformats.org/drawingml/2006/main" xmlns:r="http://schemas.openxmlformats.org/officeDocument/2006/relationships" xmlns:mc="http://schemas.openxmlformats.org/markup-compatibility/2006" xmlns:mv="urn:schemas-microsoft-com:mac:vml" xmlns:p="http://schemas.openxmlformats.org/presentationml/2006/main" xmlns:c="http://schemas.openxmlformats.org/drawingml/2006/chart" xmlns:dgm="http://schemas.openxmlformats.org/drawingml/2006/diagram" xmlns:o="urn:schemas-microsoft-com:office:office" xmlns:v="urn:schemas-microsoft-com:vml" xmlns:pvml="urn:schemas-microsoft-com:office:powerpoint" xmlns:com="http://schemas.openxmlformats.org/drawingml/2006/compatibility" xmlns:p14="http://schemas.microsoft.com/office/powerpoint/2010/main" xmlns:p15="http://schemas.microsoft.com/office/powerpoint/2012/main" xmlns:ahyp="http://schemas.microsoft.com/office/drawing/2018/hyperlinkcolor">
-  <p:cSld>
-    <p:spTree>
-      <p:nvGrpSpPr>
-        <p:cNvPr id="123" name="Shape 123"/>
+        <p:cNvPr id="127" name="Shape 127"/>
         <p:cNvGrpSpPr/>
         <p:nvPr/>
       </p:nvGrpSpPr>
@@ -9655,7 +10809,7 @@
       </p:grpSpPr>
       <p:pic>
         <p:nvPicPr>
-          <p:cNvPr id="124" name="Google Shape;124;p20" title="Points scored"/>
+          <p:cNvPr id="128" name="Google Shape;128;p21" title="Points scored"/>
           <p:cNvPicPr preferRelativeResize="0"/>
           <p:nvPr/>
         </p:nvPicPr>
@@ -9669,8 +10823,8 @@
         </p:blipFill>
         <p:spPr>
           <a:xfrm>
-            <a:off x="615453" y="0"/>
-            <a:ext cx="7913094" cy="5143499"/>
+            <a:off x="378900" y="0"/>
+            <a:ext cx="8386197" cy="5143499"/>
           </a:xfrm>
           <a:prstGeom prst="rect">
             <a:avLst/>
@@ -9689,156 +10843,286 @@
 </p:sld>
 </file>
 
-<file path=ppt/slides/slide9.xml><?xml version="1.0" encoding="utf-8"?>
-<p:sld xmlns:a="http://schemas.openxmlformats.org/drawingml/2006/main" xmlns:r="http://schemas.openxmlformats.org/officeDocument/2006/relationships" xmlns:mc="http://schemas.openxmlformats.org/markup-compatibility/2006" xmlns:mv="urn:schemas-microsoft-com:mac:vml" xmlns:p="http://schemas.openxmlformats.org/presentationml/2006/main" xmlns:c="http://schemas.openxmlformats.org/drawingml/2006/chart" xmlns:dgm="http://schemas.openxmlformats.org/drawingml/2006/diagram" xmlns:o="urn:schemas-microsoft-com:office:office" xmlns:v="urn:schemas-microsoft-com:vml" xmlns:pvml="urn:schemas-microsoft-com:office:powerpoint" xmlns:com="http://schemas.openxmlformats.org/drawingml/2006/compatibility" xmlns:p14="http://schemas.microsoft.com/office/powerpoint/2010/main" xmlns:p15="http://schemas.microsoft.com/office/powerpoint/2012/main" xmlns:ahyp="http://schemas.microsoft.com/office/drawing/2018/hyperlinkcolor">
-  <p:cSld>
-    <p:spTree>
-      <p:nvGrpSpPr>
-        <p:cNvPr id="128" name="Shape 128"/>
-        <p:cNvGrpSpPr/>
-        <p:nvPr/>
-      </p:nvGrpSpPr>
-      <p:grpSpPr>
-        <a:xfrm>
-          <a:off x="0" y="0"/>
-          <a:ext cx="0" cy="0"/>
-          <a:chOff x="0" y="0"/>
-          <a:chExt cx="0" cy="0"/>
-        </a:xfrm>
-      </p:grpSpPr>
-      <p:sp>
-        <p:nvSpPr>
-          <p:cNvPr id="129" name="Google Shape;129;p21"/>
-          <p:cNvSpPr txBox="1"/>
-          <p:nvPr>
-            <p:ph type="title"/>
-          </p:nvPr>
-        </p:nvSpPr>
-        <p:spPr>
-          <a:xfrm>
-            <a:off x="311700" y="410000"/>
-            <a:ext cx="8520600" cy="607800"/>
-          </a:xfrm>
-          <a:prstGeom prst="rect">
-            <a:avLst/>
-          </a:prstGeom>
-        </p:spPr>
-        <p:txBody>
-          <a:bodyPr anchorCtr="0" anchor="t" bIns="91425" lIns="91425" spcFirstLastPara="1" rIns="91425" wrap="square" tIns="91425">
-            <a:normAutofit fontScale="90000"/>
-          </a:bodyPr>
-          <a:lstStyle/>
-          <a:p>
-            <a:pPr indent="0" lvl="0" marL="0" rtl="0" algn="l">
-              <a:spcBef>
-                <a:spcPts val="0"/>
-              </a:spcBef>
-              <a:spcAft>
-                <a:spcPts val="0"/>
-              </a:spcAft>
-              <a:buNone/>
-            </a:pPr>
-            <a:r>
-              <a:rPr lang="en"/>
-              <a:t>Cluster CPU Usage</a:t>
-            </a:r>
-            <a:endParaRPr/>
-          </a:p>
-        </p:txBody>
-      </p:sp>
-      <p:sp>
-        <p:nvSpPr>
-          <p:cNvPr id="130" name="Google Shape;130;p21"/>
-          <p:cNvSpPr txBox="1"/>
-          <p:nvPr>
-            <p:ph idx="1" type="body"/>
-          </p:nvPr>
-        </p:nvSpPr>
-        <p:spPr>
-          <a:xfrm>
-            <a:off x="311700" y="1229875"/>
-            <a:ext cx="8520600" cy="3339000"/>
-          </a:xfrm>
-          <a:prstGeom prst="rect">
-            <a:avLst/>
-          </a:prstGeom>
-        </p:spPr>
-        <p:txBody>
-          <a:bodyPr anchorCtr="0" anchor="t" bIns="91425" lIns="91425" spcFirstLastPara="1" rIns="91425" wrap="square" tIns="91425">
-            <a:normAutofit/>
-          </a:bodyPr>
-          <a:lstStyle/>
-          <a:p>
-            <a:pPr indent="-368300" lvl="0" marL="457200" rtl="0" algn="l">
-              <a:lnSpc>
-                <a:spcPct val="150000"/>
-              </a:lnSpc>
-              <a:spcBef>
-                <a:spcPts val="1200"/>
-              </a:spcBef>
-              <a:spcAft>
-                <a:spcPts val="0"/>
-              </a:spcAft>
-              <a:buSzPts val="2200"/>
-              <a:buChar char="●"/>
-            </a:pPr>
-            <a:r>
-              <a:rPr lang="en" sz="2200"/>
-              <a:t>CPU usage increases with thread count.</a:t>
-            </a:r>
-            <a:endParaRPr sz="2200"/>
-          </a:p>
-          <a:p>
-            <a:pPr indent="-368300" lvl="0" marL="457200" rtl="0" algn="l">
-              <a:lnSpc>
-                <a:spcPct val="150000"/>
-              </a:lnSpc>
-              <a:spcBef>
-                <a:spcPts val="0"/>
-              </a:spcBef>
-              <a:spcAft>
-                <a:spcPts val="0"/>
-              </a:spcAft>
-              <a:buSzPts val="2200"/>
-              <a:buChar char="●"/>
-            </a:pPr>
-            <a:r>
-              <a:rPr lang="en" sz="2200"/>
-              <a:t>Near CPU saturation at 80 threads (over 90% usage).</a:t>
-            </a:r>
-            <a:endParaRPr sz="2200"/>
-          </a:p>
-          <a:p>
-            <a:pPr indent="-368300" lvl="0" marL="457200" rtl="0" algn="l">
-              <a:lnSpc>
-                <a:spcPct val="150000"/>
-              </a:lnSpc>
-              <a:spcBef>
-                <a:spcPts val="0"/>
-              </a:spcBef>
-              <a:spcAft>
-                <a:spcPts val="0"/>
-              </a:spcAft>
-              <a:buSzPts val="2200"/>
-              <a:buChar char="●"/>
-            </a:pPr>
-            <a:r>
-              <a:rPr lang="en" sz="2200"/>
-              <a:t>High CPU usage contributes to increased latency.</a:t>
-            </a:r>
-            <a:endParaRPr sz="2200"/>
-          </a:p>
-        </p:txBody>
-      </p:sp>
-    </p:spTree>
-  </p:cSld>
-  <p:clrMapOvr>
-    <a:masterClrMapping/>
-  </p:clrMapOvr>
-</p:sld>
+<file path=ppt/theme/theme1.xml><?xml version="1.0" encoding="utf-8"?>
+<a:theme xmlns:a="http://schemas.openxmlformats.org/drawingml/2006/main" xmlns:r="http://schemas.openxmlformats.org/officeDocument/2006/relationships" name="Geometric">
+  <a:themeElements>
+    <a:clrScheme name="Geometric">
+      <a:dk1>
+        <a:srgbClr val="2A3990"/>
+      </a:dk1>
+      <a:lt1>
+        <a:srgbClr val="FFFFFF"/>
+      </a:lt1>
+      <a:dk2>
+        <a:srgbClr val="434343"/>
+      </a:dk2>
+      <a:lt2>
+        <a:srgbClr val="999999"/>
+      </a:lt2>
+      <a:accent1>
+        <a:srgbClr val="212D74"/>
+      </a:accent1>
+      <a:accent2>
+        <a:srgbClr val="3949AB"/>
+      </a:accent2>
+      <a:accent3>
+        <a:srgbClr val="9C254D"/>
+      </a:accent3>
+      <a:accent4>
+        <a:srgbClr val="D23369"/>
+      </a:accent4>
+      <a:accent5>
+        <a:srgbClr val="F06292"/>
+      </a:accent5>
+      <a:accent6>
+        <a:srgbClr val="7890CD"/>
+      </a:accent6>
+      <a:hlink>
+        <a:srgbClr val="F06292"/>
+      </a:hlink>
+      <a:folHlink>
+        <a:srgbClr val="F06292"/>
+      </a:folHlink>
+    </a:clrScheme>
+    <a:fontScheme name="Office">
+      <a:majorFont>
+        <a:latin typeface="Arial"/>
+        <a:ea typeface=""/>
+        <a:cs typeface=""/>
+        <a:font script="Jpan" typeface="ＭＳ Ｐゴシック"/>
+        <a:font script="Hang" typeface="맑은 고딕"/>
+        <a:font script="Hans" typeface="宋体"/>
+        <a:font script="Hant" typeface="新細明體"/>
+        <a:font script="Arab" typeface="Times New Roman"/>
+        <a:font script="Hebr" typeface="Times New Roman"/>
+        <a:font script="Thai" typeface="Angsana New"/>
+        <a:font script="Ethi" typeface="Nyala"/>
+        <a:font script="Beng" typeface="Vrinda"/>
+        <a:font script="Gujr" typeface="Shruti"/>
+        <a:font script="Khmr" typeface="MoolBoran"/>
+        <a:font script="Knda" typeface="Tunga"/>
+        <a:font script="Guru" typeface="Raavi"/>
+        <a:font script="Cans" typeface="Euphemia"/>
+        <a:font script="Cher" typeface="Plantagenet Cherokee"/>
+        <a:font script="Yiii" typeface="Microsoft Yi Baiti"/>
+        <a:font script="Tibt" typeface="Microsoft Himalaya"/>
+        <a:font script="Thaa" typeface="MV Boli"/>
+        <a:font script="Deva" typeface="Mangal"/>
+        <a:font script="Telu" typeface="Gautami"/>
+        <a:font script="Taml" typeface="Latha"/>
+        <a:font script="Syrc" typeface="Estrangelo Edessa"/>
+        <a:font script="Orya" typeface="Kalinga"/>
+        <a:font script="Mlym" typeface="Kartika"/>
+        <a:font script="Laoo" typeface="DokChampa"/>
+        <a:font script="Sinh" typeface="Iskoola Pota"/>
+        <a:font script="Mong" typeface="Mongolian Baiti"/>
+        <a:font script="Viet" typeface="Times New Roman"/>
+        <a:font script="Uigh" typeface="Microsoft Uighur"/>
+        <a:font script="Geor" typeface="Sylfaen"/>
+      </a:majorFont>
+      <a:minorFont>
+        <a:latin typeface="Arial"/>
+        <a:ea typeface=""/>
+        <a:cs typeface=""/>
+        <a:font script="Jpan" typeface="ＭＳ Ｐゴシック"/>
+        <a:font script="Hang" typeface="맑은 고딕"/>
+        <a:font script="Hans" typeface="宋体"/>
+        <a:font script="Hant" typeface="新細明體"/>
+        <a:font script="Arab" typeface="Arial"/>
+        <a:font script="Hebr" typeface="Arial"/>
+        <a:font script="Thai" typeface="Cordia New"/>
+        <a:font script="Ethi" typeface="Nyala"/>
+        <a:font script="Beng" typeface="Vrinda"/>
+        <a:font script="Gujr" typeface="Shruti"/>
+        <a:font script="Khmr" typeface="DaunPenh"/>
+        <a:font script="Knda" typeface="Tunga"/>
+        <a:font script="Guru" typeface="Raavi"/>
+        <a:font script="Cans" typeface="Euphemia"/>
+        <a:font script="Cher" typeface="Plantagenet Cherokee"/>
+        <a:font script="Yiii" typeface="Microsoft Yi Baiti"/>
+        <a:font script="Tibt" typeface="Microsoft Himalaya"/>
+        <a:font script="Thaa" typeface="MV Boli"/>
+        <a:font script="Deva" typeface="Mangal"/>
+        <a:font script="Telu" typeface="Gautami"/>
+        <a:font script="Taml" typeface="Latha"/>
+        <a:font script="Syrc" typeface="Estrangelo Edessa"/>
+        <a:font script="Orya" typeface="Kalinga"/>
+        <a:font script="Mlym" typeface="Kartika"/>
+        <a:font script="Laoo" typeface="DokChampa"/>
+        <a:font script="Sinh" typeface="Iskoola Pota"/>
+        <a:font script="Mong" typeface="Mongolian Baiti"/>
+        <a:font script="Viet" typeface="Arial"/>
+        <a:font script="Uigh" typeface="Microsoft Uighur"/>
+        <a:font script="Geor" typeface="Sylfaen"/>
+      </a:minorFont>
+    </a:fontScheme>
+    <a:fmtScheme name="Office">
+      <a:fillStyleLst>
+        <a:solidFill>
+          <a:schemeClr val="phClr"/>
+        </a:solidFill>
+        <a:gradFill rotWithShape="1">
+          <a:gsLst>
+            <a:gs pos="0">
+              <a:schemeClr val="phClr">
+                <a:tint val="50000"/>
+                <a:satMod val="300000"/>
+              </a:schemeClr>
+            </a:gs>
+            <a:gs pos="35000">
+              <a:schemeClr val="phClr">
+                <a:tint val="37000"/>
+                <a:satMod val="300000"/>
+              </a:schemeClr>
+            </a:gs>
+            <a:gs pos="100000">
+              <a:schemeClr val="phClr">
+                <a:tint val="15000"/>
+                <a:satMod val="350000"/>
+              </a:schemeClr>
+            </a:gs>
+          </a:gsLst>
+          <a:lin ang="16200000" scaled="1"/>
+        </a:gradFill>
+        <a:gradFill rotWithShape="1">
+          <a:gsLst>
+            <a:gs pos="0">
+              <a:schemeClr val="phClr">
+                <a:tint val="100000"/>
+                <a:shade val="100000"/>
+                <a:satMod val="130000"/>
+              </a:schemeClr>
+            </a:gs>
+            <a:gs pos="100000">
+              <a:schemeClr val="phClr">
+                <a:tint val="50000"/>
+                <a:shade val="100000"/>
+                <a:satMod val="350000"/>
+              </a:schemeClr>
+            </a:gs>
+          </a:gsLst>
+          <a:lin ang="16200000" scaled="0"/>
+        </a:gradFill>
+      </a:fillStyleLst>
+      <a:lnStyleLst>
+        <a:ln w="9525" cap="flat" cmpd="sng" algn="ctr">
+          <a:solidFill>
+            <a:schemeClr val="phClr">
+              <a:shade val="95000"/>
+              <a:satMod val="105000"/>
+            </a:schemeClr>
+          </a:solidFill>
+          <a:prstDash val="solid"/>
+        </a:ln>
+        <a:ln w="25400" cap="flat" cmpd="sng" algn="ctr">
+          <a:solidFill>
+            <a:schemeClr val="phClr"/>
+          </a:solidFill>
+          <a:prstDash val="solid"/>
+        </a:ln>
+        <a:ln w="38100" cap="flat" cmpd="sng" algn="ctr">
+          <a:solidFill>
+            <a:schemeClr val="phClr"/>
+          </a:solidFill>
+          <a:prstDash val="solid"/>
+        </a:ln>
+      </a:lnStyleLst>
+      <a:effectStyleLst>
+        <a:effectStyle>
+          <a:effectLst>
+            <a:outerShdw blurRad="40000" dist="20000" dir="5400000" rotWithShape="0">
+              <a:srgbClr val="000000">
+                <a:alpha val="38000"/>
+              </a:srgbClr>
+            </a:outerShdw>
+          </a:effectLst>
+        </a:effectStyle>
+        <a:effectStyle>
+          <a:effectLst>
+            <a:outerShdw blurRad="40000" dist="23000" dir="5400000" rotWithShape="0">
+              <a:srgbClr val="000000">
+                <a:alpha val="35000"/>
+              </a:srgbClr>
+            </a:outerShdw>
+          </a:effectLst>
+        </a:effectStyle>
+        <a:effectStyle>
+          <a:effectLst>
+            <a:outerShdw blurRad="40000" dist="23000" dir="5400000" rotWithShape="0">
+              <a:srgbClr val="000000">
+                <a:alpha val="35000"/>
+              </a:srgbClr>
+            </a:outerShdw>
+          </a:effectLst>
+          <a:scene3d>
+            <a:camera prst="orthographicFront">
+              <a:rot lat="0" lon="0" rev="0"/>
+            </a:camera>
+            <a:lightRig rig="threePt" dir="t">
+              <a:rot lat="0" lon="0" rev="1200000"/>
+            </a:lightRig>
+          </a:scene3d>
+          <a:sp3d>
+            <a:bevelT w="63500" h="25400"/>
+          </a:sp3d>
+        </a:effectStyle>
+      </a:effectStyleLst>
+      <a:bgFillStyleLst>
+        <a:solidFill>
+          <a:schemeClr val="phClr"/>
+        </a:solidFill>
+        <a:gradFill rotWithShape="1">
+          <a:gsLst>
+            <a:gs pos="0">
+              <a:schemeClr val="phClr">
+                <a:tint val="40000"/>
+                <a:satMod val="350000"/>
+              </a:schemeClr>
+            </a:gs>
+            <a:gs pos="40000">
+              <a:schemeClr val="phClr">
+                <a:tint val="45000"/>
+                <a:shade val="99000"/>
+                <a:satMod val="350000"/>
+              </a:schemeClr>
+            </a:gs>
+            <a:gs pos="100000">
+              <a:schemeClr val="phClr">
+                <a:shade val="20000"/>
+                <a:satMod val="255000"/>
+              </a:schemeClr>
+            </a:gs>
+          </a:gsLst>
+          <a:path path="circle">
+            <a:fillToRect l="50000" t="-80000" r="50000" b="180000"/>
+          </a:path>
+        </a:gradFill>
+        <a:gradFill rotWithShape="1">
+          <a:gsLst>
+            <a:gs pos="0">
+              <a:schemeClr val="phClr">
+                <a:tint val="80000"/>
+                <a:satMod val="300000"/>
+              </a:schemeClr>
+            </a:gs>
+            <a:gs pos="100000">
+              <a:schemeClr val="phClr">
+                <a:shade val="30000"/>
+                <a:satMod val="200000"/>
+              </a:schemeClr>
+            </a:gs>
+          </a:gsLst>
+          <a:path path="circle">
+            <a:fillToRect l="50000" t="50000" r="50000" b="50000"/>
+          </a:path>
+        </a:gradFill>
+      </a:bgFillStyleLst>
+    </a:fmtScheme>
+  </a:themeElements>
+</a:theme>
 </file>
 
-<file path=ppt/theme/theme1.xml><?xml version="1.0" encoding="utf-8"?>
+<file path=ppt/theme/theme2.xml><?xml version="1.0" encoding="utf-8"?>
 <a:theme xmlns:a="http://schemas.openxmlformats.org/drawingml/2006/main" xmlns:r="http://schemas.openxmlformats.org/officeDocument/2006/relationships">
   <a:themeElements>
     <a:clrScheme name="Default">
@@ -10115,283 +11399,4 @@
     </a:fmtScheme>
   </a:themeElements>
 </a:theme>
-</file>
-
-<file path=ppt/theme/theme2.xml><?xml version="1.0" encoding="utf-8"?>
-<a:theme xmlns:a="http://schemas.openxmlformats.org/drawingml/2006/main" xmlns:r="http://schemas.openxmlformats.org/officeDocument/2006/relationships" name="Geometric">
-  <a:themeElements>
-    <a:clrScheme name="Geometric">
-      <a:dk1>
-        <a:srgbClr val="2A3990"/>
-      </a:dk1>
-      <a:lt1>
-        <a:srgbClr val="FFFFFF"/>
-      </a:lt1>
-      <a:dk2>
-        <a:srgbClr val="434343"/>
-      </a:dk2>
-      <a:lt2>
-        <a:srgbClr val="999999"/>
-      </a:lt2>
-      <a:accent1>
-        <a:srgbClr val="212D74"/>
-      </a:accent1>
-      <a:accent2>
-        <a:srgbClr val="3949AB"/>
-      </a:accent2>
-      <a:accent3>
-        <a:srgbClr val="9C254D"/>
-      </a:accent3>
-      <a:accent4>
-        <a:srgbClr val="D23369"/>
-      </a:accent4>
-      <a:accent5>
-        <a:srgbClr val="F06292"/>
-      </a:accent5>
-      <a:accent6>
-        <a:srgbClr val="7890CD"/>
-      </a:accent6>
-      <a:hlink>
-        <a:srgbClr val="F06292"/>
-      </a:hlink>
-      <a:folHlink>
-        <a:srgbClr val="F06292"/>
-      </a:folHlink>
-    </a:clrScheme>
-    <a:fontScheme name="Office">
-      <a:majorFont>
-        <a:latin typeface="Arial"/>
-        <a:ea typeface=""/>
-        <a:cs typeface=""/>
-        <a:font script="Jpan" typeface="ＭＳ Ｐゴシック"/>
-        <a:font script="Hang" typeface="맑은 고딕"/>
-        <a:font script="Hans" typeface="宋体"/>
-        <a:font script="Hant" typeface="新細明體"/>
-        <a:font script="Arab" typeface="Times New Roman"/>
-        <a:font script="Hebr" typeface="Times New Roman"/>
-        <a:font script="Thai" typeface="Angsana New"/>
-        <a:font script="Ethi" typeface="Nyala"/>
-        <a:font script="Beng" typeface="Vrinda"/>
-        <a:font script="Gujr" typeface="Shruti"/>
-        <a:font script="Khmr" typeface="MoolBoran"/>
-        <a:font script="Knda" typeface="Tunga"/>
-        <a:font script="Guru" typeface="Raavi"/>
-        <a:font script="Cans" typeface="Euphemia"/>
-        <a:font script="Cher" typeface="Plantagenet Cherokee"/>
-        <a:font script="Yiii" typeface="Microsoft Yi Baiti"/>
-        <a:font script="Tibt" typeface="Microsoft Himalaya"/>
-        <a:font script="Thaa" typeface="MV Boli"/>
-        <a:font script="Deva" typeface="Mangal"/>
-        <a:font script="Telu" typeface="Gautami"/>
-        <a:font script="Taml" typeface="Latha"/>
-        <a:font script="Syrc" typeface="Estrangelo Edessa"/>
-        <a:font script="Orya" typeface="Kalinga"/>
-        <a:font script="Mlym" typeface="Kartika"/>
-        <a:font script="Laoo" typeface="DokChampa"/>
-        <a:font script="Sinh" typeface="Iskoola Pota"/>
-        <a:font script="Mong" typeface="Mongolian Baiti"/>
-        <a:font script="Viet" typeface="Times New Roman"/>
-        <a:font script="Uigh" typeface="Microsoft Uighur"/>
-        <a:font script="Geor" typeface="Sylfaen"/>
-      </a:majorFont>
-      <a:minorFont>
-        <a:latin typeface="Arial"/>
-        <a:ea typeface=""/>
-        <a:cs typeface=""/>
-        <a:font script="Jpan" typeface="ＭＳ Ｐゴシック"/>
-        <a:font script="Hang" typeface="맑은 고딕"/>
-        <a:font script="Hans" typeface="宋体"/>
-        <a:font script="Hant" typeface="新細明體"/>
-        <a:font script="Arab" typeface="Arial"/>
-        <a:font script="Hebr" typeface="Arial"/>
-        <a:font script="Thai" typeface="Cordia New"/>
-        <a:font script="Ethi" typeface="Nyala"/>
-        <a:font script="Beng" typeface="Vrinda"/>
-        <a:font script="Gujr" typeface="Shruti"/>
-        <a:font script="Khmr" typeface="DaunPenh"/>
-        <a:font script="Knda" typeface="Tunga"/>
-        <a:font script="Guru" typeface="Raavi"/>
-        <a:font script="Cans" typeface="Euphemia"/>
-        <a:font script="Cher" typeface="Plantagenet Cherokee"/>
-        <a:font script="Yiii" typeface="Microsoft Yi Baiti"/>
-        <a:font script="Tibt" typeface="Microsoft Himalaya"/>
-        <a:font script="Thaa" typeface="MV Boli"/>
-        <a:font script="Deva" typeface="Mangal"/>
-        <a:font script="Telu" typeface="Gautami"/>
-        <a:font script="Taml" typeface="Latha"/>
-        <a:font script="Syrc" typeface="Estrangelo Edessa"/>
-        <a:font script="Orya" typeface="Kalinga"/>
-        <a:font script="Mlym" typeface="Kartika"/>
-        <a:font script="Laoo" typeface="DokChampa"/>
-        <a:font script="Sinh" typeface="Iskoola Pota"/>
-        <a:font script="Mong" typeface="Mongolian Baiti"/>
-        <a:font script="Viet" typeface="Arial"/>
-        <a:font script="Uigh" typeface="Microsoft Uighur"/>
-        <a:font script="Geor" typeface="Sylfaen"/>
-      </a:minorFont>
-    </a:fontScheme>
-    <a:fmtScheme name="Office">
-      <a:fillStyleLst>
-        <a:solidFill>
-          <a:schemeClr val="phClr"/>
-        </a:solidFill>
-        <a:gradFill rotWithShape="1">
-          <a:gsLst>
-            <a:gs pos="0">
-              <a:schemeClr val="phClr">
-                <a:tint val="50000"/>
-                <a:satMod val="300000"/>
-              </a:schemeClr>
-            </a:gs>
-            <a:gs pos="35000">
-              <a:schemeClr val="phClr">
-                <a:tint val="37000"/>
-                <a:satMod val="300000"/>
-              </a:schemeClr>
-            </a:gs>
-            <a:gs pos="100000">
-              <a:schemeClr val="phClr">
-                <a:tint val="15000"/>
-                <a:satMod val="350000"/>
-              </a:schemeClr>
-            </a:gs>
-          </a:gsLst>
-          <a:lin ang="16200000" scaled="1"/>
-        </a:gradFill>
-        <a:gradFill rotWithShape="1">
-          <a:gsLst>
-            <a:gs pos="0">
-              <a:schemeClr val="phClr">
-                <a:tint val="100000"/>
-                <a:shade val="100000"/>
-                <a:satMod val="130000"/>
-              </a:schemeClr>
-            </a:gs>
-            <a:gs pos="100000">
-              <a:schemeClr val="phClr">
-                <a:tint val="50000"/>
-                <a:shade val="100000"/>
-                <a:satMod val="350000"/>
-              </a:schemeClr>
-            </a:gs>
-          </a:gsLst>
-          <a:lin ang="16200000" scaled="0"/>
-        </a:gradFill>
-      </a:fillStyleLst>
-      <a:lnStyleLst>
-        <a:ln w="9525" cap="flat" cmpd="sng" algn="ctr">
-          <a:solidFill>
-            <a:schemeClr val="phClr">
-              <a:shade val="95000"/>
-              <a:satMod val="105000"/>
-            </a:schemeClr>
-          </a:solidFill>
-          <a:prstDash val="solid"/>
-        </a:ln>
-        <a:ln w="25400" cap="flat" cmpd="sng" algn="ctr">
-          <a:solidFill>
-            <a:schemeClr val="phClr"/>
-          </a:solidFill>
-          <a:prstDash val="solid"/>
-        </a:ln>
-        <a:ln w="38100" cap="flat" cmpd="sng" algn="ctr">
-          <a:solidFill>
-            <a:schemeClr val="phClr"/>
-          </a:solidFill>
-          <a:prstDash val="solid"/>
-        </a:ln>
-      </a:lnStyleLst>
-      <a:effectStyleLst>
-        <a:effectStyle>
-          <a:effectLst>
-            <a:outerShdw blurRad="40000" dist="20000" dir="5400000" rotWithShape="0">
-              <a:srgbClr val="000000">
-                <a:alpha val="38000"/>
-              </a:srgbClr>
-            </a:outerShdw>
-          </a:effectLst>
-        </a:effectStyle>
-        <a:effectStyle>
-          <a:effectLst>
-            <a:outerShdw blurRad="40000" dist="23000" dir="5400000" rotWithShape="0">
-              <a:srgbClr val="000000">
-                <a:alpha val="35000"/>
-              </a:srgbClr>
-            </a:outerShdw>
-          </a:effectLst>
-        </a:effectStyle>
-        <a:effectStyle>
-          <a:effectLst>
-            <a:outerShdw blurRad="40000" dist="23000" dir="5400000" rotWithShape="0">
-              <a:srgbClr val="000000">
-                <a:alpha val="35000"/>
-              </a:srgbClr>
-            </a:outerShdw>
-          </a:effectLst>
-          <a:scene3d>
-            <a:camera prst="orthographicFront">
-              <a:rot lat="0" lon="0" rev="0"/>
-            </a:camera>
-            <a:lightRig rig="threePt" dir="t">
-              <a:rot lat="0" lon="0" rev="1200000"/>
-            </a:lightRig>
-          </a:scene3d>
-          <a:sp3d>
-            <a:bevelT w="63500" h="25400"/>
-          </a:sp3d>
-        </a:effectStyle>
-      </a:effectStyleLst>
-      <a:bgFillStyleLst>
-        <a:solidFill>
-          <a:schemeClr val="phClr"/>
-        </a:solidFill>
-        <a:gradFill rotWithShape="1">
-          <a:gsLst>
-            <a:gs pos="0">
-              <a:schemeClr val="phClr">
-                <a:tint val="40000"/>
-                <a:satMod val="350000"/>
-              </a:schemeClr>
-            </a:gs>
-            <a:gs pos="40000">
-              <a:schemeClr val="phClr">
-                <a:tint val="45000"/>
-                <a:shade val="99000"/>
-                <a:satMod val="350000"/>
-              </a:schemeClr>
-            </a:gs>
-            <a:gs pos="100000">
-              <a:schemeClr val="phClr">
-                <a:shade val="20000"/>
-                <a:satMod val="255000"/>
-              </a:schemeClr>
-            </a:gs>
-          </a:gsLst>
-          <a:path path="circle">
-            <a:fillToRect l="50000" t="-80000" r="50000" b="180000"/>
-          </a:path>
-        </a:gradFill>
-        <a:gradFill rotWithShape="1">
-          <a:gsLst>
-            <a:gs pos="0">
-              <a:schemeClr val="phClr">
-                <a:tint val="80000"/>
-                <a:satMod val="300000"/>
-              </a:schemeClr>
-            </a:gs>
-            <a:gs pos="100000">
-              <a:schemeClr val="phClr">
-                <a:shade val="30000"/>
-                <a:satMod val="200000"/>
-              </a:schemeClr>
-            </a:gs>
-          </a:gsLst>
-          <a:path path="circle">
-            <a:fillToRect l="50000" t="50000" r="50000" b="50000"/>
-          </a:path>
-        </a:gradFill>
-      </a:bgFillStyleLst>
-    </a:fmtScheme>
-  </a:themeElements>
-</a:theme>
 </file>